--- a/최종PT.pptx
+++ b/최종PT.pptx
@@ -6,13 +6,18 @@
   </p:sldMasterIdLst>
   <p:sldIdLst>
     <p:sldId id="256" r:id="rId2"/>
-    <p:sldId id="257" r:id="rId3"/>
-    <p:sldId id="258" r:id="rId4"/>
-    <p:sldId id="259" r:id="rId5"/>
-    <p:sldId id="260" r:id="rId6"/>
-    <p:sldId id="261" r:id="rId7"/>
-    <p:sldId id="262" r:id="rId8"/>
-    <p:sldId id="263" r:id="rId9"/>
+    <p:sldId id="267" r:id="rId3"/>
+    <p:sldId id="257" r:id="rId4"/>
+    <p:sldId id="258" r:id="rId5"/>
+    <p:sldId id="268" r:id="rId6"/>
+    <p:sldId id="266" r:id="rId7"/>
+    <p:sldId id="265" r:id="rId8"/>
+    <p:sldId id="259" r:id="rId9"/>
+    <p:sldId id="260" r:id="rId10"/>
+    <p:sldId id="261" r:id="rId11"/>
+    <p:sldId id="262" r:id="rId12"/>
+    <p:sldId id="263" r:id="rId13"/>
+    <p:sldId id="264" r:id="rId14"/>
   </p:sldIdLst>
   <p:sldSz cx="12192000" cy="6858000"/>
   <p:notesSz cx="6858000" cy="9144000"/>
@@ -111,6 +116,11 @@
       </a:defRPr>
     </a:lvl9pPr>
   </p:defaultTextStyle>
+  <p:extLst>
+    <p:ext uri="{EFAFB233-063F-42B5-8137-9DF3F51BA10A}">
+      <p15:sldGuideLst xmlns:p15="http://schemas.microsoft.com/office/powerpoint/2012/main"/>
+    </p:ext>
+  </p:extLst>
 </p:presentation>
 </file>
 
@@ -261,7 +271,7 @@
           <a:p>
             <a:fld id="{0474C271-42EC-4E1E-9256-B93560ECF0D9}" type="datetimeFigureOut">
               <a:rPr lang="ko-KR" altLang="en-US" smtClean="0"/>
-              <a:t>2024-04-01</a:t>
+              <a:t>2024. 4. 1.</a:t>
             </a:fld>
             <a:endParaRPr lang="ko-KR" altLang="en-US"/>
           </a:p>
@@ -459,7 +469,7 @@
           <a:p>
             <a:fld id="{0474C271-42EC-4E1E-9256-B93560ECF0D9}" type="datetimeFigureOut">
               <a:rPr lang="ko-KR" altLang="en-US" smtClean="0"/>
-              <a:t>2024-04-01</a:t>
+              <a:t>2024. 4. 1.</a:t>
             </a:fld>
             <a:endParaRPr lang="ko-KR" altLang="en-US"/>
           </a:p>
@@ -667,7 +677,7 @@
           <a:p>
             <a:fld id="{0474C271-42EC-4E1E-9256-B93560ECF0D9}" type="datetimeFigureOut">
               <a:rPr lang="ko-KR" altLang="en-US" smtClean="0"/>
-              <a:t>2024-04-01</a:t>
+              <a:t>2024. 4. 1.</a:t>
             </a:fld>
             <a:endParaRPr lang="ko-KR" altLang="en-US"/>
           </a:p>
@@ -865,7 +875,7 @@
           <a:p>
             <a:fld id="{0474C271-42EC-4E1E-9256-B93560ECF0D9}" type="datetimeFigureOut">
               <a:rPr lang="ko-KR" altLang="en-US" smtClean="0"/>
-              <a:t>2024-04-01</a:t>
+              <a:t>2024. 4. 1.</a:t>
             </a:fld>
             <a:endParaRPr lang="ko-KR" altLang="en-US"/>
           </a:p>
@@ -1140,7 +1150,7 @@
           <a:p>
             <a:fld id="{0474C271-42EC-4E1E-9256-B93560ECF0D9}" type="datetimeFigureOut">
               <a:rPr lang="ko-KR" altLang="en-US" smtClean="0"/>
-              <a:t>2024-04-01</a:t>
+              <a:t>2024. 4. 1.</a:t>
             </a:fld>
             <a:endParaRPr lang="ko-KR" altLang="en-US"/>
           </a:p>
@@ -1405,7 +1415,7 @@
           <a:p>
             <a:fld id="{0474C271-42EC-4E1E-9256-B93560ECF0D9}" type="datetimeFigureOut">
               <a:rPr lang="ko-KR" altLang="en-US" smtClean="0"/>
-              <a:t>2024-04-01</a:t>
+              <a:t>2024. 4. 1.</a:t>
             </a:fld>
             <a:endParaRPr lang="ko-KR" altLang="en-US"/>
           </a:p>
@@ -1817,7 +1827,7 @@
           <a:p>
             <a:fld id="{0474C271-42EC-4E1E-9256-B93560ECF0D9}" type="datetimeFigureOut">
               <a:rPr lang="ko-KR" altLang="en-US" smtClean="0"/>
-              <a:t>2024-04-01</a:t>
+              <a:t>2024. 4. 1.</a:t>
             </a:fld>
             <a:endParaRPr lang="ko-KR" altLang="en-US"/>
           </a:p>
@@ -1958,7 +1968,7 @@
           <a:p>
             <a:fld id="{0474C271-42EC-4E1E-9256-B93560ECF0D9}" type="datetimeFigureOut">
               <a:rPr lang="ko-KR" altLang="en-US" smtClean="0"/>
-              <a:t>2024-04-01</a:t>
+              <a:t>2024. 4. 1.</a:t>
             </a:fld>
             <a:endParaRPr lang="ko-KR" altLang="en-US"/>
           </a:p>
@@ -2071,7 +2081,7 @@
           <a:p>
             <a:fld id="{0474C271-42EC-4E1E-9256-B93560ECF0D9}" type="datetimeFigureOut">
               <a:rPr lang="ko-KR" altLang="en-US" smtClean="0"/>
-              <a:t>2024-04-01</a:t>
+              <a:t>2024. 4. 1.</a:t>
             </a:fld>
             <a:endParaRPr lang="ko-KR" altLang="en-US"/>
           </a:p>
@@ -2382,7 +2392,7 @@
           <a:p>
             <a:fld id="{0474C271-42EC-4E1E-9256-B93560ECF0D9}" type="datetimeFigureOut">
               <a:rPr lang="ko-KR" altLang="en-US" smtClean="0"/>
-              <a:t>2024-04-01</a:t>
+              <a:t>2024. 4. 1.</a:t>
             </a:fld>
             <a:endParaRPr lang="ko-KR" altLang="en-US"/>
           </a:p>
@@ -2670,7 +2680,7 @@
           <a:p>
             <a:fld id="{0474C271-42EC-4E1E-9256-B93560ECF0D9}" type="datetimeFigureOut">
               <a:rPr lang="ko-KR" altLang="en-US" smtClean="0"/>
-              <a:t>2024-04-01</a:t>
+              <a:t>2024. 4. 1.</a:t>
             </a:fld>
             <a:endParaRPr lang="ko-KR" altLang="en-US"/>
           </a:p>
@@ -2911,7 +2921,7 @@
           <a:p>
             <a:fld id="{0474C271-42EC-4E1E-9256-B93560ECF0D9}" type="datetimeFigureOut">
               <a:rPr lang="ko-KR" altLang="en-US" smtClean="0"/>
-              <a:t>2024-04-01</a:t>
+              <a:t>2024. 4. 1.</a:t>
             </a:fld>
             <a:endParaRPr lang="ko-KR" altLang="en-US"/>
           </a:p>
@@ -3436,1206 +3446,7 @@
 </p:sld>
 </file>
 
-<file path=ppt/slides/slide2.xml><?xml version="1.0" encoding="utf-8"?>
-<p:sld xmlns:a="http://schemas.openxmlformats.org/drawingml/2006/main" xmlns:r="http://schemas.openxmlformats.org/officeDocument/2006/relationships" xmlns:p="http://schemas.openxmlformats.org/presentationml/2006/main">
-  <p:cSld>
-    <p:spTree>
-      <p:nvGrpSpPr>
-        <p:cNvPr id="1" name=""/>
-        <p:cNvGrpSpPr/>
-        <p:nvPr/>
-      </p:nvGrpSpPr>
-      <p:grpSpPr>
-        <a:xfrm>
-          <a:off x="0" y="0"/>
-          <a:ext cx="0" cy="0"/>
-          <a:chOff x="0" y="0"/>
-          <a:chExt cx="0" cy="0"/>
-        </a:xfrm>
-      </p:grpSpPr>
-      <p:sp>
-        <p:nvSpPr>
-          <p:cNvPr id="8" name="TextBox 7">
-            <a:extLst>
-              <a:ext uri="{FF2B5EF4-FFF2-40B4-BE49-F238E27FC236}">
-                <a16:creationId xmlns:a16="http://schemas.microsoft.com/office/drawing/2014/main" id="{217E743A-D2E5-428B-8246-261082AFD630}"/>
-              </a:ext>
-            </a:extLst>
-          </p:cNvPr>
-          <p:cNvSpPr txBox="1"/>
-          <p:nvPr/>
-        </p:nvSpPr>
-        <p:spPr>
-          <a:xfrm>
-            <a:off x="5424881" y="637563"/>
-            <a:ext cx="1342238" cy="830997"/>
-          </a:xfrm>
-          <a:prstGeom prst="rect">
-            <a:avLst/>
-          </a:prstGeom>
-          <a:noFill/>
-        </p:spPr>
-        <p:txBody>
-          <a:bodyPr wrap="square" rtlCol="0">
-            <a:spAutoFit/>
-          </a:bodyPr>
-          <a:lstStyle/>
-          <a:p>
-            <a:r>
-              <a:rPr lang="ko-KR" altLang="en-US" sz="4800" dirty="0">
-                <a:latin typeface="나눔스퀘어_ac ExtraBold" panose="020B0600000101010101" pitchFamily="50" charset="-127"/>
-                <a:ea typeface="나눔스퀘어_ac ExtraBold" panose="020B0600000101010101" pitchFamily="50" charset="-127"/>
-              </a:rPr>
-              <a:t>목차</a:t>
-            </a:r>
-          </a:p>
-        </p:txBody>
-      </p:sp>
-      <p:sp>
-        <p:nvSpPr>
-          <p:cNvPr id="9" name="TextBox 8">
-            <a:extLst>
-              <a:ext uri="{FF2B5EF4-FFF2-40B4-BE49-F238E27FC236}">
-                <a16:creationId xmlns:a16="http://schemas.microsoft.com/office/drawing/2014/main" id="{3DA11379-F976-4A49-B0CA-3039A3951991}"/>
-              </a:ext>
-            </a:extLst>
-          </p:cNvPr>
-          <p:cNvSpPr txBox="1"/>
-          <p:nvPr/>
-        </p:nvSpPr>
-        <p:spPr>
-          <a:xfrm>
-            <a:off x="1800837" y="2185333"/>
-            <a:ext cx="8590326" cy="3093154"/>
-          </a:xfrm>
-          <a:prstGeom prst="rect">
-            <a:avLst/>
-          </a:prstGeom>
-          <a:noFill/>
-        </p:spPr>
-        <p:txBody>
-          <a:bodyPr wrap="square" rtlCol="0">
-            <a:spAutoFit/>
-          </a:bodyPr>
-          <a:lstStyle/>
-          <a:p>
-            <a:pPr marL="514350" indent="-514350">
-              <a:buAutoNum type="arabicPeriod"/>
-            </a:pPr>
-            <a:r>
-              <a:rPr lang="en-US" altLang="ko-KR" sz="3200" dirty="0">
-                <a:latin typeface="나눔스퀘어_ac Bold" panose="020B0600000101010101" pitchFamily="50" charset="-127"/>
-                <a:ea typeface="나눔스퀘어_ac Bold" panose="020B0600000101010101" pitchFamily="50" charset="-127"/>
-              </a:rPr>
-              <a:t>WICS</a:t>
-            </a:r>
-            <a:r>
-              <a:rPr lang="ko-KR" altLang="en-US" sz="3200" dirty="0">
-                <a:latin typeface="나눔스퀘어_ac Bold" panose="020B0600000101010101" pitchFamily="50" charset="-127"/>
-                <a:ea typeface="나눔스퀘어_ac Bold" panose="020B0600000101010101" pitchFamily="50" charset="-127"/>
-              </a:rPr>
-              <a:t> 프로젝트</a:t>
-            </a:r>
-            <a:endParaRPr lang="en-US" altLang="ko-KR" sz="3200" dirty="0">
-              <a:latin typeface="나눔스퀘어_ac Bold" panose="020B0600000101010101" pitchFamily="50" charset="-127"/>
-              <a:ea typeface="나눔스퀘어_ac Bold" panose="020B0600000101010101" pitchFamily="50" charset="-127"/>
-            </a:endParaRPr>
-          </a:p>
-          <a:p>
-            <a:endParaRPr lang="en-US" altLang="ko-KR" sz="1100" dirty="0">
-              <a:latin typeface="나눔스퀘어_ac Bold" panose="020B0600000101010101" pitchFamily="50" charset="-127"/>
-              <a:ea typeface="나눔스퀘어_ac Bold" panose="020B0600000101010101" pitchFamily="50" charset="-127"/>
-            </a:endParaRPr>
-          </a:p>
-          <a:p>
-            <a:pPr marL="457200" indent="-457200">
-              <a:buFontTx/>
-              <a:buChar char="-"/>
-            </a:pPr>
-            <a:r>
-              <a:rPr lang="ko-KR" altLang="en-US" sz="2400" dirty="0">
-                <a:latin typeface="나눔스퀘어_ac Bold" panose="020B0600000101010101" pitchFamily="50" charset="-127"/>
-                <a:ea typeface="나눔스퀘어_ac Bold" panose="020B0600000101010101" pitchFamily="50" charset="-127"/>
-              </a:rPr>
-              <a:t>프로젝트 개요</a:t>
-            </a:r>
-            <a:endParaRPr lang="en-US" altLang="ko-KR" sz="2400" dirty="0">
-              <a:latin typeface="나눔스퀘어_ac Bold" panose="020B0600000101010101" pitchFamily="50" charset="-127"/>
-              <a:ea typeface="나눔스퀘어_ac Bold" panose="020B0600000101010101" pitchFamily="50" charset="-127"/>
-            </a:endParaRPr>
-          </a:p>
-          <a:p>
-            <a:endParaRPr lang="en-US" altLang="ko-KR" sz="800" dirty="0">
-              <a:latin typeface="나눔스퀘어_ac Bold" panose="020B0600000101010101" pitchFamily="50" charset="-127"/>
-              <a:ea typeface="나눔스퀘어_ac Bold" panose="020B0600000101010101" pitchFamily="50" charset="-127"/>
-            </a:endParaRPr>
-          </a:p>
-          <a:p>
-            <a:pPr marL="457200" indent="-457200">
-              <a:buFontTx/>
-              <a:buChar char="-"/>
-            </a:pPr>
-            <a:r>
-              <a:rPr lang="ko-KR" altLang="en-US" sz="2400" dirty="0">
-                <a:latin typeface="나눔스퀘어_ac Bold" panose="020B0600000101010101" pitchFamily="50" charset="-127"/>
-                <a:ea typeface="나눔스퀘어_ac Bold" panose="020B0600000101010101" pitchFamily="50" charset="-127"/>
-              </a:rPr>
-              <a:t>구현 기능 소개</a:t>
-            </a:r>
-            <a:endParaRPr lang="en-US" altLang="ko-KR" sz="2400" dirty="0">
-              <a:latin typeface="나눔스퀘어_ac Bold" panose="020B0600000101010101" pitchFamily="50" charset="-127"/>
-              <a:ea typeface="나눔스퀘어_ac Bold" panose="020B0600000101010101" pitchFamily="50" charset="-127"/>
-            </a:endParaRPr>
-          </a:p>
-          <a:p>
-            <a:endParaRPr lang="en-US" altLang="ko-KR" sz="3200" dirty="0">
-              <a:latin typeface="나눔스퀘어_ac Bold" panose="020B0600000101010101" pitchFamily="50" charset="-127"/>
-              <a:ea typeface="나눔스퀘어_ac Bold" panose="020B0600000101010101" pitchFamily="50" charset="-127"/>
-            </a:endParaRPr>
-          </a:p>
-          <a:p>
-            <a:r>
-              <a:rPr lang="en-US" altLang="ko-KR" sz="3200" dirty="0">
-                <a:latin typeface="나눔스퀘어_ac Bold" panose="020B0600000101010101" pitchFamily="50" charset="-127"/>
-                <a:ea typeface="나눔스퀘어_ac Bold" panose="020B0600000101010101" pitchFamily="50" charset="-127"/>
-              </a:rPr>
-              <a:t>02. </a:t>
-            </a:r>
-            <a:r>
-              <a:rPr lang="ko-KR" altLang="en-US" sz="3200" dirty="0">
-                <a:latin typeface="나눔스퀘어_ac Bold" panose="020B0600000101010101" pitchFamily="50" charset="-127"/>
-                <a:ea typeface="나눔스퀘어_ac Bold" panose="020B0600000101010101" pitchFamily="50" charset="-127"/>
-              </a:rPr>
-              <a:t>개인 과제</a:t>
-            </a:r>
-            <a:endParaRPr lang="en-US" altLang="ko-KR" sz="3200" dirty="0">
-              <a:latin typeface="나눔스퀘어_ac Bold" panose="020B0600000101010101" pitchFamily="50" charset="-127"/>
-              <a:ea typeface="나눔스퀘어_ac Bold" panose="020B0600000101010101" pitchFamily="50" charset="-127"/>
-            </a:endParaRPr>
-          </a:p>
-          <a:p>
-            <a:endParaRPr lang="ko-KR" altLang="en-US" sz="3200" dirty="0">
-              <a:latin typeface="나눔스퀘어_ac Bold" panose="020B0600000101010101" pitchFamily="50" charset="-127"/>
-              <a:ea typeface="나눔스퀘어_ac Bold" panose="020B0600000101010101" pitchFamily="50" charset="-127"/>
-            </a:endParaRPr>
-          </a:p>
-        </p:txBody>
-      </p:sp>
-    </p:spTree>
-    <p:extLst>
-      <p:ext uri="{BB962C8B-B14F-4D97-AF65-F5344CB8AC3E}">
-        <p14:creationId xmlns:p14="http://schemas.microsoft.com/office/powerpoint/2010/main" val="1057470068"/>
-      </p:ext>
-    </p:extLst>
-  </p:cSld>
-  <p:clrMapOvr>
-    <a:masterClrMapping/>
-  </p:clrMapOvr>
-</p:sld>
-</file>
-
-<file path=ppt/slides/slide3.xml><?xml version="1.0" encoding="utf-8"?>
-<p:sld xmlns:a="http://schemas.openxmlformats.org/drawingml/2006/main" xmlns:r="http://schemas.openxmlformats.org/officeDocument/2006/relationships" xmlns:p="http://schemas.openxmlformats.org/presentationml/2006/main">
-  <p:cSld>
-    <p:spTree>
-      <p:nvGrpSpPr>
-        <p:cNvPr id="1" name=""/>
-        <p:cNvGrpSpPr/>
-        <p:nvPr/>
-      </p:nvGrpSpPr>
-      <p:grpSpPr>
-        <a:xfrm>
-          <a:off x="0" y="0"/>
-          <a:ext cx="0" cy="0"/>
-          <a:chOff x="0" y="0"/>
-          <a:chExt cx="0" cy="0"/>
-        </a:xfrm>
-      </p:grpSpPr>
-      <p:sp>
-        <p:nvSpPr>
-          <p:cNvPr id="2" name="TextBox 1">
-            <a:extLst>
-              <a:ext uri="{FF2B5EF4-FFF2-40B4-BE49-F238E27FC236}">
-                <a16:creationId xmlns:a16="http://schemas.microsoft.com/office/drawing/2014/main" id="{4F4AE9FB-2A19-4A78-A593-487CF7F64C0C}"/>
-              </a:ext>
-            </a:extLst>
-          </p:cNvPr>
-          <p:cNvSpPr txBox="1"/>
-          <p:nvPr/>
-        </p:nvSpPr>
-        <p:spPr>
-          <a:xfrm>
-            <a:off x="176168" y="218114"/>
-            <a:ext cx="2751590" cy="615553"/>
-          </a:xfrm>
-          <a:prstGeom prst="rect">
-            <a:avLst/>
-          </a:prstGeom>
-          <a:noFill/>
-        </p:spPr>
-        <p:txBody>
-          <a:bodyPr wrap="square" rtlCol="0">
-            <a:spAutoFit/>
-          </a:bodyPr>
-          <a:lstStyle/>
-          <a:p>
-            <a:r>
-              <a:rPr lang="en-US" altLang="ko-KR" dirty="0">
-                <a:latin typeface="나눔스퀘어_ac" panose="020B0600000101010101" pitchFamily="50" charset="-127"/>
-                <a:ea typeface="나눔스퀘어_ac" panose="020B0600000101010101" pitchFamily="50" charset="-127"/>
-              </a:rPr>
-              <a:t>01. WICS </a:t>
-            </a:r>
-            <a:r>
-              <a:rPr lang="ko-KR" altLang="en-US" dirty="0">
-                <a:latin typeface="나눔스퀘어_ac" panose="020B0600000101010101" pitchFamily="50" charset="-127"/>
-                <a:ea typeface="나눔스퀘어_ac" panose="020B0600000101010101" pitchFamily="50" charset="-127"/>
-              </a:rPr>
-              <a:t>프로젝트</a:t>
-            </a:r>
-            <a:endParaRPr lang="en-US" altLang="ko-KR" sz="1600" dirty="0">
-              <a:latin typeface="나눔스퀘어_ac" panose="020B0600000101010101" pitchFamily="50" charset="-127"/>
-              <a:ea typeface="나눔스퀘어_ac" panose="020B0600000101010101" pitchFamily="50" charset="-127"/>
-            </a:endParaRPr>
-          </a:p>
-          <a:p>
-            <a:r>
-              <a:rPr lang="en-US" altLang="ko-KR" sz="1600" dirty="0">
-                <a:latin typeface="나눔스퀘어_ac" panose="020B0600000101010101" pitchFamily="50" charset="-127"/>
-                <a:ea typeface="나눔스퀘어_ac" panose="020B0600000101010101" pitchFamily="50" charset="-127"/>
-              </a:rPr>
-              <a:t>      : </a:t>
-            </a:r>
-            <a:r>
-              <a:rPr lang="ko-KR" altLang="en-US" sz="1600" dirty="0">
-                <a:latin typeface="나눔스퀘어_ac" panose="020B0600000101010101" pitchFamily="50" charset="-127"/>
-                <a:ea typeface="나눔스퀘어_ac" panose="020B0600000101010101" pitchFamily="50" charset="-127"/>
-              </a:rPr>
-              <a:t>프로젝트 개요</a:t>
-            </a:r>
-          </a:p>
-        </p:txBody>
-      </p:sp>
-      <p:pic>
-        <p:nvPicPr>
-          <p:cNvPr id="3" name="그림 2">
-            <a:extLst>
-              <a:ext uri="{FF2B5EF4-FFF2-40B4-BE49-F238E27FC236}">
-                <a16:creationId xmlns:a16="http://schemas.microsoft.com/office/drawing/2014/main" id="{CE35F572-C477-4C08-8EFE-886360840858}"/>
-              </a:ext>
-            </a:extLst>
-          </p:cNvPr>
-          <p:cNvPicPr>
-            <a:picLocks noChangeAspect="1"/>
-          </p:cNvPicPr>
-          <p:nvPr/>
-        </p:nvPicPr>
-        <p:blipFill>
-          <a:blip r:embed="rId2"/>
-          <a:stretch>
-            <a:fillRect/>
-          </a:stretch>
-        </p:blipFill>
-        <p:spPr>
-          <a:xfrm>
-            <a:off x="6990438" y="1739408"/>
-            <a:ext cx="4661872" cy="2997542"/>
-          </a:xfrm>
-          <a:prstGeom prst="rect">
-            <a:avLst/>
-          </a:prstGeom>
-        </p:spPr>
-      </p:pic>
-      <p:sp>
-        <p:nvSpPr>
-          <p:cNvPr id="5" name="TextBox 4">
-            <a:extLst>
-              <a:ext uri="{FF2B5EF4-FFF2-40B4-BE49-F238E27FC236}">
-                <a16:creationId xmlns:a16="http://schemas.microsoft.com/office/drawing/2014/main" id="{F9CDCB2F-4A3F-476B-9F89-4F9C3D4F55B2}"/>
-              </a:ext>
-            </a:extLst>
-          </p:cNvPr>
-          <p:cNvSpPr txBox="1"/>
-          <p:nvPr/>
-        </p:nvSpPr>
-        <p:spPr>
-          <a:xfrm>
-            <a:off x="5143849" y="189983"/>
-            <a:ext cx="1635854" cy="769441"/>
-          </a:xfrm>
-          <a:prstGeom prst="rect">
-            <a:avLst/>
-          </a:prstGeom>
-          <a:noFill/>
-        </p:spPr>
-        <p:txBody>
-          <a:bodyPr wrap="square" rtlCol="0">
-            <a:spAutoFit/>
-          </a:bodyPr>
-          <a:lstStyle/>
-          <a:p>
-            <a:r>
-              <a:rPr lang="en-US" altLang="ko-KR" sz="4400" dirty="0">
-                <a:latin typeface="나눔스퀘어_ac ExtraBold" panose="020B0600000101010101" pitchFamily="50" charset="-127"/>
-                <a:ea typeface="나눔스퀘어_ac ExtraBold" panose="020B0600000101010101" pitchFamily="50" charset="-127"/>
-              </a:rPr>
-              <a:t>WICS</a:t>
-            </a:r>
-            <a:endParaRPr lang="ko-KR" altLang="en-US" sz="4400" dirty="0">
-              <a:latin typeface="나눔스퀘어_ac ExtraBold" panose="020B0600000101010101" pitchFamily="50" charset="-127"/>
-              <a:ea typeface="나눔스퀘어_ac ExtraBold" panose="020B0600000101010101" pitchFamily="50" charset="-127"/>
-            </a:endParaRPr>
-          </a:p>
-        </p:txBody>
-      </p:sp>
-      <p:pic>
-        <p:nvPicPr>
-          <p:cNvPr id="6" name="그림 5">
-            <a:extLst>
-              <a:ext uri="{FF2B5EF4-FFF2-40B4-BE49-F238E27FC236}">
-                <a16:creationId xmlns:a16="http://schemas.microsoft.com/office/drawing/2014/main" id="{5B421084-F80B-40B9-99F0-8BBEEE8B37BB}"/>
-              </a:ext>
-            </a:extLst>
-          </p:cNvPr>
-          <p:cNvPicPr>
-            <a:picLocks noChangeAspect="1"/>
-          </p:cNvPicPr>
-          <p:nvPr/>
-        </p:nvPicPr>
-        <p:blipFill rotWithShape="1">
-          <a:blip r:embed="rId3"/>
-          <a:srcRect l="5427" t="9472" r="8646"/>
-          <a:stretch/>
-        </p:blipFill>
-        <p:spPr>
-          <a:xfrm>
-            <a:off x="539690" y="1683992"/>
-            <a:ext cx="4353886" cy="3108374"/>
-          </a:xfrm>
-          <a:prstGeom prst="rect">
-            <a:avLst/>
-          </a:prstGeom>
-        </p:spPr>
-      </p:pic>
-      <p:sp>
-        <p:nvSpPr>
-          <p:cNvPr id="7" name="TextBox 6">
-            <a:extLst>
-              <a:ext uri="{FF2B5EF4-FFF2-40B4-BE49-F238E27FC236}">
-                <a16:creationId xmlns:a16="http://schemas.microsoft.com/office/drawing/2014/main" id="{F50C8588-D37F-41C9-9B47-1FB9B70ECBDA}"/>
-              </a:ext>
-            </a:extLst>
-          </p:cNvPr>
-          <p:cNvSpPr txBox="1"/>
-          <p:nvPr/>
-        </p:nvSpPr>
-        <p:spPr>
-          <a:xfrm>
-            <a:off x="4173523" y="833667"/>
-            <a:ext cx="3576506" cy="369332"/>
-          </a:xfrm>
-          <a:prstGeom prst="rect">
-            <a:avLst/>
-          </a:prstGeom>
-          <a:noFill/>
-        </p:spPr>
-        <p:txBody>
-          <a:bodyPr wrap="square" rtlCol="0">
-            <a:spAutoFit/>
-          </a:bodyPr>
-          <a:lstStyle/>
-          <a:p>
-            <a:r>
-              <a:rPr lang="en-US" altLang="ko-KR" dirty="0" err="1">
-                <a:latin typeface="나눔스퀘어_ac Bold" panose="020B0600000101010101" pitchFamily="50" charset="-127"/>
-                <a:ea typeface="나눔스퀘어_ac Bold" panose="020B0600000101010101" pitchFamily="50" charset="-127"/>
-              </a:rPr>
-              <a:t>Woongjin</a:t>
-            </a:r>
-            <a:r>
-              <a:rPr lang="en-US" altLang="ko-KR" dirty="0">
-                <a:latin typeface="나눔스퀘어_ac Bold" panose="020B0600000101010101" pitchFamily="50" charset="-127"/>
-                <a:ea typeface="나눔스퀘어_ac Bold" panose="020B0600000101010101" pitchFamily="50" charset="-127"/>
-              </a:rPr>
-              <a:t> Issue Control System </a:t>
-            </a:r>
-            <a:endParaRPr lang="ko-KR" altLang="en-US" dirty="0">
-              <a:latin typeface="나눔스퀘어_ac Bold" panose="020B0600000101010101" pitchFamily="50" charset="-127"/>
-              <a:ea typeface="나눔스퀘어_ac Bold" panose="020B0600000101010101" pitchFamily="50" charset="-127"/>
-            </a:endParaRPr>
-          </a:p>
-        </p:txBody>
-      </p:sp>
-      <p:sp>
-        <p:nvSpPr>
-          <p:cNvPr id="10" name="TextBox 9">
-            <a:extLst>
-              <a:ext uri="{FF2B5EF4-FFF2-40B4-BE49-F238E27FC236}">
-                <a16:creationId xmlns:a16="http://schemas.microsoft.com/office/drawing/2014/main" id="{1CFCD46E-889B-4E20-8F5D-E692F2B5BBF7}"/>
-              </a:ext>
-            </a:extLst>
-          </p:cNvPr>
-          <p:cNvSpPr txBox="1"/>
-          <p:nvPr/>
-        </p:nvSpPr>
-        <p:spPr>
-          <a:xfrm>
-            <a:off x="1192633" y="5458025"/>
-            <a:ext cx="3182225" cy="369332"/>
-          </a:xfrm>
-          <a:prstGeom prst="rect">
-            <a:avLst/>
-          </a:prstGeom>
-          <a:noFill/>
-        </p:spPr>
-        <p:txBody>
-          <a:bodyPr wrap="square" rtlCol="0">
-            <a:spAutoFit/>
-          </a:bodyPr>
-          <a:lstStyle/>
-          <a:p>
-            <a:r>
-              <a:rPr lang="en-US" altLang="ko-KR" dirty="0">
-                <a:latin typeface="나눔스퀘어_ac" panose="020B0600000101010101" pitchFamily="50" charset="-127"/>
-                <a:ea typeface="나눔스퀘어_ac" panose="020B0600000101010101" pitchFamily="50" charset="-127"/>
-              </a:rPr>
-              <a:t>BMW </a:t>
-            </a:r>
-            <a:r>
-              <a:rPr lang="ko-KR" altLang="en-US" dirty="0">
-                <a:latin typeface="나눔스퀘어_ac" panose="020B0600000101010101" pitchFamily="50" charset="-127"/>
-                <a:ea typeface="나눔스퀘어_ac" panose="020B0600000101010101" pitchFamily="50" charset="-127"/>
-              </a:rPr>
-              <a:t>운영 시 </a:t>
-            </a:r>
-            <a:r>
-              <a:rPr lang="en-US" altLang="ko-KR" dirty="0">
-                <a:latin typeface="나눔스퀘어_ac" panose="020B0600000101010101" pitchFamily="50" charset="-127"/>
-                <a:ea typeface="나눔스퀘어_ac" panose="020B0600000101010101" pitchFamily="50" charset="-127"/>
-              </a:rPr>
-              <a:t>SW</a:t>
-            </a:r>
-            <a:r>
-              <a:rPr lang="ko-KR" altLang="en-US" dirty="0">
-                <a:latin typeface="나눔스퀘어_ac" panose="020B0600000101010101" pitchFamily="50" charset="-127"/>
-                <a:ea typeface="나눔스퀘어_ac" panose="020B0600000101010101" pitchFamily="50" charset="-127"/>
-              </a:rPr>
-              <a:t>적 불만 접수 </a:t>
-            </a:r>
-            <a:endParaRPr lang="ko-KR" altLang="en-US" sz="1600" dirty="0">
-              <a:latin typeface="나눔스퀘어_ac" panose="020B0600000101010101" pitchFamily="50" charset="-127"/>
-              <a:ea typeface="나눔스퀘어_ac" panose="020B0600000101010101" pitchFamily="50" charset="-127"/>
-            </a:endParaRPr>
-          </a:p>
-        </p:txBody>
-      </p:sp>
-      <p:sp>
-        <p:nvSpPr>
-          <p:cNvPr id="11" name="TextBox 10">
-            <a:extLst>
-              <a:ext uri="{FF2B5EF4-FFF2-40B4-BE49-F238E27FC236}">
-                <a16:creationId xmlns:a16="http://schemas.microsoft.com/office/drawing/2014/main" id="{F04BB19B-4FDB-4849-88AE-76D679D1FD7F}"/>
-              </a:ext>
-            </a:extLst>
-          </p:cNvPr>
-          <p:cNvSpPr txBox="1"/>
-          <p:nvPr/>
-        </p:nvSpPr>
-        <p:spPr>
-          <a:xfrm>
-            <a:off x="7817142" y="5383923"/>
-            <a:ext cx="3182225" cy="369332"/>
-          </a:xfrm>
-          <a:prstGeom prst="rect">
-            <a:avLst/>
-          </a:prstGeom>
-          <a:noFill/>
-        </p:spPr>
-        <p:txBody>
-          <a:bodyPr wrap="square" rtlCol="0">
-            <a:spAutoFit/>
-          </a:bodyPr>
-          <a:lstStyle/>
-          <a:p>
-            <a:r>
-              <a:rPr lang="ko-KR" altLang="en-US" dirty="0">
-                <a:latin typeface="나눔스퀘어_ac" panose="020B0600000101010101" pitchFamily="50" charset="-127"/>
-                <a:ea typeface="나눔스퀘어_ac" panose="020B0600000101010101" pitchFamily="50" charset="-127"/>
-              </a:rPr>
-              <a:t>기술</a:t>
-            </a:r>
-            <a:r>
-              <a:rPr lang="en-US" altLang="ko-KR" dirty="0">
-                <a:latin typeface="나눔스퀘어_ac" panose="020B0600000101010101" pitchFamily="50" charset="-127"/>
-                <a:ea typeface="나눔스퀘어_ac" panose="020B0600000101010101" pitchFamily="50" charset="-127"/>
-              </a:rPr>
-              <a:t>, </a:t>
-            </a:r>
-            <a:r>
-              <a:rPr lang="ko-KR" altLang="en-US" dirty="0">
-                <a:latin typeface="나눔스퀘어_ac" panose="020B0600000101010101" pitchFamily="50" charset="-127"/>
-                <a:ea typeface="나눔스퀘어_ac" panose="020B0600000101010101" pitchFamily="50" charset="-127"/>
-              </a:rPr>
-              <a:t>보안 측면의 불편한 점 개선</a:t>
-            </a:r>
-            <a:endParaRPr lang="en-US" altLang="ko-KR" dirty="0">
-              <a:latin typeface="나눔스퀘어_ac" panose="020B0600000101010101" pitchFamily="50" charset="-127"/>
-              <a:ea typeface="나눔스퀘어_ac" panose="020B0600000101010101" pitchFamily="50" charset="-127"/>
-            </a:endParaRPr>
-          </a:p>
-        </p:txBody>
-      </p:sp>
-      <p:sp>
-        <p:nvSpPr>
-          <p:cNvPr id="12" name="TextBox 11">
-            <a:extLst>
-              <a:ext uri="{FF2B5EF4-FFF2-40B4-BE49-F238E27FC236}">
-                <a16:creationId xmlns:a16="http://schemas.microsoft.com/office/drawing/2014/main" id="{2F93F284-4575-418D-A247-90076F056D8A}"/>
-              </a:ext>
-            </a:extLst>
-          </p:cNvPr>
-          <p:cNvSpPr txBox="1"/>
-          <p:nvPr/>
-        </p:nvSpPr>
-        <p:spPr>
-          <a:xfrm>
-            <a:off x="7817141" y="5930605"/>
-            <a:ext cx="3182225" cy="369332"/>
-          </a:xfrm>
-          <a:prstGeom prst="rect">
-            <a:avLst/>
-          </a:prstGeom>
-          <a:noFill/>
-        </p:spPr>
-        <p:txBody>
-          <a:bodyPr wrap="square" rtlCol="0">
-            <a:spAutoFit/>
-          </a:bodyPr>
-          <a:lstStyle/>
-          <a:p>
-            <a:r>
-              <a:rPr lang="ko-KR" altLang="en-US" dirty="0">
-                <a:latin typeface="나눔스퀘어_ac" panose="020B0600000101010101" pitchFamily="50" charset="-127"/>
-                <a:ea typeface="나눔스퀘어_ac" panose="020B0600000101010101" pitchFamily="50" charset="-127"/>
-              </a:rPr>
-              <a:t>사업 확장 시 통합적 고객관리 </a:t>
-            </a:r>
-            <a:endParaRPr lang="en-US" altLang="ko-KR" dirty="0">
-              <a:latin typeface="나눔스퀘어_ac" panose="020B0600000101010101" pitchFamily="50" charset="-127"/>
-              <a:ea typeface="나눔스퀘어_ac" panose="020B0600000101010101" pitchFamily="50" charset="-127"/>
-            </a:endParaRPr>
-          </a:p>
-        </p:txBody>
-      </p:sp>
-      <p:sp>
-        <p:nvSpPr>
-          <p:cNvPr id="13" name="화살표: 오른쪽 12">
-            <a:extLst>
-              <a:ext uri="{FF2B5EF4-FFF2-40B4-BE49-F238E27FC236}">
-                <a16:creationId xmlns:a16="http://schemas.microsoft.com/office/drawing/2014/main" id="{107240B9-BE25-4BEE-A3FF-186F0AC88D78}"/>
-              </a:ext>
-            </a:extLst>
-          </p:cNvPr>
-          <p:cNvSpPr/>
-          <p:nvPr/>
-        </p:nvSpPr>
-        <p:spPr>
-          <a:xfrm>
-            <a:off x="5394121" y="3137483"/>
-            <a:ext cx="1115736" cy="369332"/>
-          </a:xfrm>
-          <a:prstGeom prst="rightArrow">
-            <a:avLst/>
-          </a:prstGeom>
-        </p:spPr>
-        <p:style>
-          <a:lnRef idx="3">
-            <a:schemeClr val="lt1"/>
-          </a:lnRef>
-          <a:fillRef idx="1">
-            <a:schemeClr val="accent3"/>
-          </a:fillRef>
-          <a:effectRef idx="1">
-            <a:schemeClr val="accent3"/>
-          </a:effectRef>
-          <a:fontRef idx="minor">
-            <a:schemeClr val="lt1"/>
-          </a:fontRef>
-        </p:style>
-        <p:txBody>
-          <a:bodyPr rtlCol="0" anchor="ctr"/>
-          <a:lstStyle/>
-          <a:p>
-            <a:pPr algn="ctr"/>
-            <a:endParaRPr lang="ko-KR" altLang="en-US"/>
-          </a:p>
-        </p:txBody>
-      </p:sp>
-    </p:spTree>
-    <p:extLst>
-      <p:ext uri="{BB962C8B-B14F-4D97-AF65-F5344CB8AC3E}">
-        <p14:creationId xmlns:p14="http://schemas.microsoft.com/office/powerpoint/2010/main" val="285947962"/>
-      </p:ext>
-    </p:extLst>
-  </p:cSld>
-  <p:clrMapOvr>
-    <a:masterClrMapping/>
-  </p:clrMapOvr>
-</p:sld>
-</file>
-
-<file path=ppt/slides/slide4.xml><?xml version="1.0" encoding="utf-8"?>
-<p:sld xmlns:a="http://schemas.openxmlformats.org/drawingml/2006/main" xmlns:r="http://schemas.openxmlformats.org/officeDocument/2006/relationships" xmlns:p="http://schemas.openxmlformats.org/presentationml/2006/main">
-  <p:cSld>
-    <p:spTree>
-      <p:nvGrpSpPr>
-        <p:cNvPr id="1" name=""/>
-        <p:cNvGrpSpPr/>
-        <p:nvPr/>
-      </p:nvGrpSpPr>
-      <p:grpSpPr>
-        <a:xfrm>
-          <a:off x="0" y="0"/>
-          <a:ext cx="0" cy="0"/>
-          <a:chOff x="0" y="0"/>
-          <a:chExt cx="0" cy="0"/>
-        </a:xfrm>
-      </p:grpSpPr>
-      <p:sp>
-        <p:nvSpPr>
-          <p:cNvPr id="2" name="TextBox 1">
-            <a:extLst>
-              <a:ext uri="{FF2B5EF4-FFF2-40B4-BE49-F238E27FC236}">
-                <a16:creationId xmlns:a16="http://schemas.microsoft.com/office/drawing/2014/main" id="{4F4AE9FB-2A19-4A78-A593-487CF7F64C0C}"/>
-              </a:ext>
-            </a:extLst>
-          </p:cNvPr>
-          <p:cNvSpPr txBox="1"/>
-          <p:nvPr/>
-        </p:nvSpPr>
-        <p:spPr>
-          <a:xfrm>
-            <a:off x="176168" y="218114"/>
-            <a:ext cx="2751590" cy="615553"/>
-          </a:xfrm>
-          <a:prstGeom prst="rect">
-            <a:avLst/>
-          </a:prstGeom>
-          <a:noFill/>
-        </p:spPr>
-        <p:txBody>
-          <a:bodyPr wrap="square" rtlCol="0">
-            <a:spAutoFit/>
-          </a:bodyPr>
-          <a:lstStyle/>
-          <a:p>
-            <a:r>
-              <a:rPr lang="en-US" altLang="ko-KR" dirty="0">
-                <a:latin typeface="나눔스퀘어_ac" panose="020B0600000101010101" pitchFamily="50" charset="-127"/>
-                <a:ea typeface="나눔스퀘어_ac" panose="020B0600000101010101" pitchFamily="50" charset="-127"/>
-              </a:rPr>
-              <a:t>01. WICS </a:t>
-            </a:r>
-            <a:r>
-              <a:rPr lang="ko-KR" altLang="en-US" dirty="0">
-                <a:latin typeface="나눔스퀘어_ac" panose="020B0600000101010101" pitchFamily="50" charset="-127"/>
-                <a:ea typeface="나눔스퀘어_ac" panose="020B0600000101010101" pitchFamily="50" charset="-127"/>
-              </a:rPr>
-              <a:t>프로젝트</a:t>
-            </a:r>
-            <a:endParaRPr lang="en-US" altLang="ko-KR" sz="1600" dirty="0">
-              <a:latin typeface="나눔스퀘어_ac" panose="020B0600000101010101" pitchFamily="50" charset="-127"/>
-              <a:ea typeface="나눔스퀘어_ac" panose="020B0600000101010101" pitchFamily="50" charset="-127"/>
-            </a:endParaRPr>
-          </a:p>
-          <a:p>
-            <a:r>
-              <a:rPr lang="en-US" altLang="ko-KR" sz="1600" dirty="0">
-                <a:latin typeface="나눔스퀘어_ac" panose="020B0600000101010101" pitchFamily="50" charset="-127"/>
-                <a:ea typeface="나눔스퀘어_ac" panose="020B0600000101010101" pitchFamily="50" charset="-127"/>
-              </a:rPr>
-              <a:t>      : </a:t>
-            </a:r>
-            <a:r>
-              <a:rPr lang="ko-KR" altLang="en-US" sz="1600" dirty="0">
-                <a:latin typeface="나눔스퀘어_ac" panose="020B0600000101010101" pitchFamily="50" charset="-127"/>
-                <a:ea typeface="나눔스퀘어_ac" panose="020B0600000101010101" pitchFamily="50" charset="-127"/>
-              </a:rPr>
-              <a:t>구현 기능 소개</a:t>
-            </a:r>
-          </a:p>
-        </p:txBody>
-      </p:sp>
-      <p:sp>
-        <p:nvSpPr>
-          <p:cNvPr id="5" name="TextBox 4">
-            <a:extLst>
-              <a:ext uri="{FF2B5EF4-FFF2-40B4-BE49-F238E27FC236}">
-                <a16:creationId xmlns:a16="http://schemas.microsoft.com/office/drawing/2014/main" id="{F9CDCB2F-4A3F-476B-9F89-4F9C3D4F55B2}"/>
-              </a:ext>
-            </a:extLst>
-          </p:cNvPr>
-          <p:cNvSpPr txBox="1"/>
-          <p:nvPr/>
-        </p:nvSpPr>
-        <p:spPr>
-          <a:xfrm>
-            <a:off x="662730" y="1934893"/>
-            <a:ext cx="11450972" cy="2123658"/>
-          </a:xfrm>
-          <a:prstGeom prst="rect">
-            <a:avLst/>
-          </a:prstGeom>
-          <a:noFill/>
-        </p:spPr>
-        <p:txBody>
-          <a:bodyPr wrap="square" rtlCol="0">
-            <a:spAutoFit/>
-          </a:bodyPr>
-          <a:lstStyle/>
-          <a:p>
-            <a:r>
-              <a:rPr lang="ko-KR" altLang="en-US" sz="4400" dirty="0">
-                <a:latin typeface="나눔스퀘어_ac ExtraBold" panose="020B0600000101010101" pitchFamily="50" charset="-127"/>
-                <a:ea typeface="나눔스퀘어_ac ExtraBold" panose="020B0600000101010101" pitchFamily="50" charset="-127"/>
-              </a:rPr>
-              <a:t>창의적인 사고로</a:t>
-            </a:r>
-            <a:endParaRPr lang="en-US" altLang="ko-KR" sz="4400" dirty="0">
-              <a:latin typeface="나눔스퀘어_ac ExtraBold" panose="020B0600000101010101" pitchFamily="50" charset="-127"/>
-              <a:ea typeface="나눔스퀘어_ac ExtraBold" panose="020B0600000101010101" pitchFamily="50" charset="-127"/>
-            </a:endParaRPr>
-          </a:p>
-          <a:p>
-            <a:r>
-              <a:rPr lang="ko-KR" altLang="en-US" sz="4400" dirty="0">
-                <a:latin typeface="나눔스퀘어_ac ExtraBold" panose="020B0600000101010101" pitchFamily="50" charset="-127"/>
-                <a:ea typeface="나눔스퀘어_ac ExtraBold" panose="020B0600000101010101" pitchFamily="50" charset="-127"/>
-              </a:rPr>
-              <a:t>단순히 구현하는 것이 아닌</a:t>
-            </a:r>
-            <a:r>
-              <a:rPr lang="en-US" altLang="ko-KR" sz="4400" dirty="0">
-                <a:latin typeface="나눔스퀘어_ac ExtraBold" panose="020B0600000101010101" pitchFamily="50" charset="-127"/>
-                <a:ea typeface="나눔스퀘어_ac ExtraBold" panose="020B0600000101010101" pitchFamily="50" charset="-127"/>
-              </a:rPr>
-              <a:t>,</a:t>
-            </a:r>
-          </a:p>
-          <a:p>
-            <a:r>
-              <a:rPr lang="ko-KR" altLang="en-US" sz="4400" dirty="0">
-                <a:latin typeface="나눔스퀘어_ac ExtraBold" panose="020B0600000101010101" pitchFamily="50" charset="-127"/>
-                <a:ea typeface="나눔스퀘어_ac ExtraBold" panose="020B0600000101010101" pitchFamily="50" charset="-127"/>
-              </a:rPr>
-              <a:t>목적을 이해하며 발전된 방향으로 문제를 해결한다</a:t>
-            </a:r>
-            <a:r>
-              <a:rPr lang="en-US" altLang="ko-KR" sz="4400" dirty="0">
-                <a:latin typeface="나눔스퀘어_ac ExtraBold" panose="020B0600000101010101" pitchFamily="50" charset="-127"/>
-                <a:ea typeface="나눔스퀘어_ac ExtraBold" panose="020B0600000101010101" pitchFamily="50" charset="-127"/>
-              </a:rPr>
-              <a:t>.</a:t>
-            </a:r>
-            <a:endParaRPr lang="ko-KR" altLang="en-US" sz="4400" dirty="0">
-              <a:latin typeface="나눔스퀘어_ac ExtraBold" panose="020B0600000101010101" pitchFamily="50" charset="-127"/>
-              <a:ea typeface="나눔스퀘어_ac ExtraBold" panose="020B0600000101010101" pitchFamily="50" charset="-127"/>
-            </a:endParaRPr>
-          </a:p>
-        </p:txBody>
-      </p:sp>
-      <p:sp>
-        <p:nvSpPr>
-          <p:cNvPr id="10" name="TextBox 9">
-            <a:extLst>
-              <a:ext uri="{FF2B5EF4-FFF2-40B4-BE49-F238E27FC236}">
-                <a16:creationId xmlns:a16="http://schemas.microsoft.com/office/drawing/2014/main" id="{1CFCD46E-889B-4E20-8F5D-E692F2B5BBF7}"/>
-              </a:ext>
-            </a:extLst>
-          </p:cNvPr>
-          <p:cNvSpPr txBox="1"/>
-          <p:nvPr/>
-        </p:nvSpPr>
-        <p:spPr>
-          <a:xfrm>
-            <a:off x="1192633" y="5458025"/>
-            <a:ext cx="3182225" cy="369332"/>
-          </a:xfrm>
-          <a:prstGeom prst="rect">
-            <a:avLst/>
-          </a:prstGeom>
-          <a:noFill/>
-        </p:spPr>
-        <p:txBody>
-          <a:bodyPr wrap="square" rtlCol="0">
-            <a:spAutoFit/>
-          </a:bodyPr>
-          <a:lstStyle/>
-          <a:p>
-            <a:r>
-              <a:rPr lang="en-US" altLang="ko-KR" dirty="0">
-                <a:latin typeface="나눔스퀘어_ac" panose="020B0600000101010101" pitchFamily="50" charset="-127"/>
-                <a:ea typeface="나눔스퀘어_ac" panose="020B0600000101010101" pitchFamily="50" charset="-127"/>
-              </a:rPr>
-              <a:t>BMW </a:t>
-            </a:r>
-            <a:r>
-              <a:rPr lang="ko-KR" altLang="en-US" dirty="0">
-                <a:latin typeface="나눔스퀘어_ac" panose="020B0600000101010101" pitchFamily="50" charset="-127"/>
-                <a:ea typeface="나눔스퀘어_ac" panose="020B0600000101010101" pitchFamily="50" charset="-127"/>
-              </a:rPr>
-              <a:t>운영 시 </a:t>
-            </a:r>
-            <a:r>
-              <a:rPr lang="en-US" altLang="ko-KR" dirty="0">
-                <a:latin typeface="나눔스퀘어_ac" panose="020B0600000101010101" pitchFamily="50" charset="-127"/>
-                <a:ea typeface="나눔스퀘어_ac" panose="020B0600000101010101" pitchFamily="50" charset="-127"/>
-              </a:rPr>
-              <a:t>SW</a:t>
-            </a:r>
-            <a:r>
-              <a:rPr lang="ko-KR" altLang="en-US" dirty="0">
-                <a:latin typeface="나눔스퀘어_ac" panose="020B0600000101010101" pitchFamily="50" charset="-127"/>
-                <a:ea typeface="나눔스퀘어_ac" panose="020B0600000101010101" pitchFamily="50" charset="-127"/>
-              </a:rPr>
-              <a:t>적 불만 접수 </a:t>
-            </a:r>
-            <a:endParaRPr lang="ko-KR" altLang="en-US" sz="1600" dirty="0">
-              <a:latin typeface="나눔스퀘어_ac" panose="020B0600000101010101" pitchFamily="50" charset="-127"/>
-              <a:ea typeface="나눔스퀘어_ac" panose="020B0600000101010101" pitchFamily="50" charset="-127"/>
-            </a:endParaRPr>
-          </a:p>
-        </p:txBody>
-      </p:sp>
-      <p:sp>
-        <p:nvSpPr>
-          <p:cNvPr id="11" name="TextBox 10">
-            <a:extLst>
-              <a:ext uri="{FF2B5EF4-FFF2-40B4-BE49-F238E27FC236}">
-                <a16:creationId xmlns:a16="http://schemas.microsoft.com/office/drawing/2014/main" id="{F04BB19B-4FDB-4849-88AE-76D679D1FD7F}"/>
-              </a:ext>
-            </a:extLst>
-          </p:cNvPr>
-          <p:cNvSpPr txBox="1"/>
-          <p:nvPr/>
-        </p:nvSpPr>
-        <p:spPr>
-          <a:xfrm>
-            <a:off x="7817142" y="5383923"/>
-            <a:ext cx="3182225" cy="369332"/>
-          </a:xfrm>
-          <a:prstGeom prst="rect">
-            <a:avLst/>
-          </a:prstGeom>
-          <a:noFill/>
-        </p:spPr>
-        <p:txBody>
-          <a:bodyPr wrap="square" rtlCol="0">
-            <a:spAutoFit/>
-          </a:bodyPr>
-          <a:lstStyle/>
-          <a:p>
-            <a:r>
-              <a:rPr lang="ko-KR" altLang="en-US" dirty="0">
-                <a:latin typeface="나눔스퀘어_ac" panose="020B0600000101010101" pitchFamily="50" charset="-127"/>
-                <a:ea typeface="나눔스퀘어_ac" panose="020B0600000101010101" pitchFamily="50" charset="-127"/>
-              </a:rPr>
-              <a:t>기술</a:t>
-            </a:r>
-            <a:r>
-              <a:rPr lang="en-US" altLang="ko-KR" dirty="0">
-                <a:latin typeface="나눔스퀘어_ac" panose="020B0600000101010101" pitchFamily="50" charset="-127"/>
-                <a:ea typeface="나눔스퀘어_ac" panose="020B0600000101010101" pitchFamily="50" charset="-127"/>
-              </a:rPr>
-              <a:t>, </a:t>
-            </a:r>
-            <a:r>
-              <a:rPr lang="ko-KR" altLang="en-US" dirty="0">
-                <a:latin typeface="나눔스퀘어_ac" panose="020B0600000101010101" pitchFamily="50" charset="-127"/>
-                <a:ea typeface="나눔스퀘어_ac" panose="020B0600000101010101" pitchFamily="50" charset="-127"/>
-              </a:rPr>
-              <a:t>보안 측면의 불편한 점 개선</a:t>
-            </a:r>
-            <a:endParaRPr lang="en-US" altLang="ko-KR" dirty="0">
-              <a:latin typeface="나눔스퀘어_ac" panose="020B0600000101010101" pitchFamily="50" charset="-127"/>
-              <a:ea typeface="나눔스퀘어_ac" panose="020B0600000101010101" pitchFamily="50" charset="-127"/>
-            </a:endParaRPr>
-          </a:p>
-        </p:txBody>
-      </p:sp>
-      <p:sp>
-        <p:nvSpPr>
-          <p:cNvPr id="12" name="TextBox 11">
-            <a:extLst>
-              <a:ext uri="{FF2B5EF4-FFF2-40B4-BE49-F238E27FC236}">
-                <a16:creationId xmlns:a16="http://schemas.microsoft.com/office/drawing/2014/main" id="{2F93F284-4575-418D-A247-90076F056D8A}"/>
-              </a:ext>
-            </a:extLst>
-          </p:cNvPr>
-          <p:cNvSpPr txBox="1"/>
-          <p:nvPr/>
-        </p:nvSpPr>
-        <p:spPr>
-          <a:xfrm>
-            <a:off x="7817141" y="5930605"/>
-            <a:ext cx="3182225" cy="369332"/>
-          </a:xfrm>
-          <a:prstGeom prst="rect">
-            <a:avLst/>
-          </a:prstGeom>
-          <a:noFill/>
-        </p:spPr>
-        <p:txBody>
-          <a:bodyPr wrap="square" rtlCol="0">
-            <a:spAutoFit/>
-          </a:bodyPr>
-          <a:lstStyle/>
-          <a:p>
-            <a:r>
-              <a:rPr lang="ko-KR" altLang="en-US" dirty="0">
-                <a:latin typeface="나눔스퀘어_ac" panose="020B0600000101010101" pitchFamily="50" charset="-127"/>
-                <a:ea typeface="나눔스퀘어_ac" panose="020B0600000101010101" pitchFamily="50" charset="-127"/>
-              </a:rPr>
-              <a:t>사업 확장 시 통합적 고객관리 </a:t>
-            </a:r>
-            <a:endParaRPr lang="en-US" altLang="ko-KR" dirty="0">
-              <a:latin typeface="나눔스퀘어_ac" panose="020B0600000101010101" pitchFamily="50" charset="-127"/>
-              <a:ea typeface="나눔스퀘어_ac" panose="020B0600000101010101" pitchFamily="50" charset="-127"/>
-            </a:endParaRPr>
-          </a:p>
-        </p:txBody>
-      </p:sp>
-      <p:pic>
-        <p:nvPicPr>
-          <p:cNvPr id="13" name="그림 12">
-            <a:extLst>
-              <a:ext uri="{FF2B5EF4-FFF2-40B4-BE49-F238E27FC236}">
-                <a16:creationId xmlns:a16="http://schemas.microsoft.com/office/drawing/2014/main" id="{E2743272-7DE5-4C5E-A879-A95010F4371C}"/>
-              </a:ext>
-            </a:extLst>
-          </p:cNvPr>
-          <p:cNvPicPr>
-            <a:picLocks noChangeAspect="1"/>
-          </p:cNvPicPr>
-          <p:nvPr/>
-        </p:nvPicPr>
-        <p:blipFill>
-          <a:blip r:embed="rId2"/>
-          <a:stretch>
-            <a:fillRect/>
-          </a:stretch>
-        </p:blipFill>
-        <p:spPr>
-          <a:xfrm>
-            <a:off x="1367405" y="54528"/>
-            <a:ext cx="9245046" cy="6207768"/>
-          </a:xfrm>
-          <a:prstGeom prst="rect">
-            <a:avLst/>
-          </a:prstGeom>
-        </p:spPr>
-      </p:pic>
-    </p:spTree>
-    <p:extLst>
-      <p:ext uri="{BB962C8B-B14F-4D97-AF65-F5344CB8AC3E}">
-        <p14:creationId xmlns:p14="http://schemas.microsoft.com/office/powerpoint/2010/main" val="494779275"/>
-      </p:ext>
-    </p:extLst>
-  </p:cSld>
-  <p:clrMapOvr>
-    <a:masterClrMapping/>
-  </p:clrMapOvr>
-</p:sld>
-</file>
-
-<file path=ppt/slides/slide5.xml><?xml version="1.0" encoding="utf-8"?>
-<p:sld xmlns:a="http://schemas.openxmlformats.org/drawingml/2006/main" xmlns:r="http://schemas.openxmlformats.org/officeDocument/2006/relationships" xmlns:p="http://schemas.openxmlformats.org/presentationml/2006/main">
-  <p:cSld>
-    <p:spTree>
-      <p:nvGrpSpPr>
-        <p:cNvPr id="1" name=""/>
-        <p:cNvGrpSpPr/>
-        <p:nvPr/>
-      </p:nvGrpSpPr>
-      <p:grpSpPr>
-        <a:xfrm>
-          <a:off x="0" y="0"/>
-          <a:ext cx="0" cy="0"/>
-          <a:chOff x="0" y="0"/>
-          <a:chExt cx="0" cy="0"/>
-        </a:xfrm>
-      </p:grpSpPr>
-      <p:sp>
-        <p:nvSpPr>
-          <p:cNvPr id="2" name="TextBox 1">
-            <a:extLst>
-              <a:ext uri="{FF2B5EF4-FFF2-40B4-BE49-F238E27FC236}">
-                <a16:creationId xmlns:a16="http://schemas.microsoft.com/office/drawing/2014/main" id="{4F4AE9FB-2A19-4A78-A593-487CF7F64C0C}"/>
-              </a:ext>
-            </a:extLst>
-          </p:cNvPr>
-          <p:cNvSpPr txBox="1"/>
-          <p:nvPr/>
-        </p:nvSpPr>
-        <p:spPr>
-          <a:xfrm>
-            <a:off x="176168" y="218114"/>
-            <a:ext cx="2751590" cy="615553"/>
-          </a:xfrm>
-          <a:prstGeom prst="rect">
-            <a:avLst/>
-          </a:prstGeom>
-          <a:noFill/>
-        </p:spPr>
-        <p:txBody>
-          <a:bodyPr wrap="square" rtlCol="0">
-            <a:spAutoFit/>
-          </a:bodyPr>
-          <a:lstStyle/>
-          <a:p>
-            <a:r>
-              <a:rPr lang="en-US" altLang="ko-KR" dirty="0">
-                <a:latin typeface="나눔스퀘어_ac" panose="020B0600000101010101" pitchFamily="50" charset="-127"/>
-                <a:ea typeface="나눔스퀘어_ac" panose="020B0600000101010101" pitchFamily="50" charset="-127"/>
-              </a:rPr>
-              <a:t>01. WICS </a:t>
-            </a:r>
-            <a:r>
-              <a:rPr lang="ko-KR" altLang="en-US" dirty="0">
-                <a:latin typeface="나눔스퀘어_ac" panose="020B0600000101010101" pitchFamily="50" charset="-127"/>
-                <a:ea typeface="나눔스퀘어_ac" panose="020B0600000101010101" pitchFamily="50" charset="-127"/>
-              </a:rPr>
-              <a:t>프로젝트</a:t>
-            </a:r>
-            <a:endParaRPr lang="en-US" altLang="ko-KR" sz="1600" dirty="0">
-              <a:latin typeface="나눔스퀘어_ac" panose="020B0600000101010101" pitchFamily="50" charset="-127"/>
-              <a:ea typeface="나눔스퀘어_ac" panose="020B0600000101010101" pitchFamily="50" charset="-127"/>
-            </a:endParaRPr>
-          </a:p>
-          <a:p>
-            <a:r>
-              <a:rPr lang="en-US" altLang="ko-KR" sz="1600" dirty="0">
-                <a:latin typeface="나눔스퀘어_ac" panose="020B0600000101010101" pitchFamily="50" charset="-127"/>
-                <a:ea typeface="나눔스퀘어_ac" panose="020B0600000101010101" pitchFamily="50" charset="-127"/>
-              </a:rPr>
-              <a:t>      : </a:t>
-            </a:r>
-            <a:r>
-              <a:rPr lang="ko-KR" altLang="en-US" sz="1600" dirty="0">
-                <a:latin typeface="나눔스퀘어_ac" panose="020B0600000101010101" pitchFamily="50" charset="-127"/>
-                <a:ea typeface="나눔스퀘어_ac" panose="020B0600000101010101" pitchFamily="50" charset="-127"/>
-              </a:rPr>
-              <a:t>구현 기능 소개</a:t>
-            </a:r>
-          </a:p>
-        </p:txBody>
-      </p:sp>
-      <p:sp>
-        <p:nvSpPr>
-          <p:cNvPr id="5" name="TextBox 4">
-            <a:extLst>
-              <a:ext uri="{FF2B5EF4-FFF2-40B4-BE49-F238E27FC236}">
-                <a16:creationId xmlns:a16="http://schemas.microsoft.com/office/drawing/2014/main" id="{F9CDCB2F-4A3F-476B-9F89-4F9C3D4F55B2}"/>
-              </a:ext>
-            </a:extLst>
-          </p:cNvPr>
-          <p:cNvSpPr txBox="1"/>
-          <p:nvPr/>
-        </p:nvSpPr>
-        <p:spPr>
-          <a:xfrm>
-            <a:off x="5038288" y="218114"/>
-            <a:ext cx="2115424" cy="769441"/>
-          </a:xfrm>
-          <a:prstGeom prst="rect">
-            <a:avLst/>
-          </a:prstGeom>
-          <a:noFill/>
-        </p:spPr>
-        <p:txBody>
-          <a:bodyPr wrap="square" rtlCol="0">
-            <a:spAutoFit/>
-          </a:bodyPr>
-          <a:lstStyle/>
-          <a:p>
-            <a:r>
-              <a:rPr lang="en-US" altLang="ko-KR" sz="4400" dirty="0">
-                <a:latin typeface="나눔스퀘어_ac ExtraBold" panose="020B0600000101010101" pitchFamily="50" charset="-127"/>
-                <a:ea typeface="나눔스퀘어_ac ExtraBold" panose="020B0600000101010101" pitchFamily="50" charset="-127"/>
-              </a:rPr>
-              <a:t>DB </a:t>
-            </a:r>
-            <a:r>
-              <a:rPr lang="ko-KR" altLang="en-US" sz="4400" dirty="0">
-                <a:latin typeface="나눔스퀘어_ac ExtraBold" panose="020B0600000101010101" pitchFamily="50" charset="-127"/>
-                <a:ea typeface="나눔스퀘어_ac ExtraBold" panose="020B0600000101010101" pitchFamily="50" charset="-127"/>
-              </a:rPr>
-              <a:t>설계</a:t>
-            </a:r>
-          </a:p>
-        </p:txBody>
-      </p:sp>
-      <p:pic>
-        <p:nvPicPr>
-          <p:cNvPr id="1026" name="Picture 2">
-            <a:extLst>
-              <a:ext uri="{FF2B5EF4-FFF2-40B4-BE49-F238E27FC236}">
-                <a16:creationId xmlns:a16="http://schemas.microsoft.com/office/drawing/2014/main" id="{32F64308-5B7B-4C0B-8947-277C177BD99E}"/>
-              </a:ext>
-            </a:extLst>
-          </p:cNvPr>
-          <p:cNvPicPr>
-            <a:picLocks noChangeAspect="1" noChangeArrowheads="1"/>
-          </p:cNvPicPr>
-          <p:nvPr/>
-        </p:nvPicPr>
-        <p:blipFill>
-          <a:blip r:embed="rId2">
-            <a:extLst>
-              <a:ext uri="{28A0092B-C50C-407E-A947-70E740481C1C}">
-                <a14:useLocalDpi xmlns:a14="http://schemas.microsoft.com/office/drawing/2010/main" val="0"/>
-              </a:ext>
-            </a:extLst>
-          </a:blip>
-          <a:srcRect/>
-          <a:stretch>
-            <a:fillRect/>
-          </a:stretch>
-        </p:blipFill>
-        <p:spPr bwMode="auto">
-          <a:xfrm>
-            <a:off x="2518095" y="1713952"/>
-            <a:ext cx="7155809" cy="4455149"/>
-          </a:xfrm>
-          <a:prstGeom prst="rect">
-            <a:avLst/>
-          </a:prstGeom>
-          <a:noFill/>
-          <a:extLst>
-            <a:ext uri="{909E8E84-426E-40DD-AFC4-6F175D3DCCD1}">
-              <a14:hiddenFill xmlns:a14="http://schemas.microsoft.com/office/drawing/2010/main">
-                <a:solidFill>
-                  <a:srgbClr val="FFFFFF"/>
-                </a:solidFill>
-              </a14:hiddenFill>
-            </a:ext>
-          </a:extLst>
-        </p:spPr>
-      </p:pic>
-    </p:spTree>
-    <p:extLst>
-      <p:ext uri="{BB962C8B-B14F-4D97-AF65-F5344CB8AC3E}">
-        <p14:creationId xmlns:p14="http://schemas.microsoft.com/office/powerpoint/2010/main" val="3304862907"/>
-      </p:ext>
-    </p:extLst>
-  </p:cSld>
-  <p:clrMapOvr>
-    <a:masterClrMapping/>
-  </p:clrMapOvr>
-</p:sld>
-</file>
-
-<file path=ppt/slides/slide6.xml><?xml version="1.0" encoding="utf-8"?>
+<file path=ppt/slides/slide10.xml><?xml version="1.0" encoding="utf-8"?>
 <p:sld xmlns:a="http://schemas.openxmlformats.org/drawingml/2006/main" xmlns:r="http://schemas.openxmlformats.org/officeDocument/2006/relationships" xmlns:p="http://schemas.openxmlformats.org/presentationml/2006/main">
   <p:cSld>
     <p:spTree>
@@ -5647,6 +4458,2104 @@
 </p:sld>
 </file>
 
+<file path=ppt/slides/slide11.xml><?xml version="1.0" encoding="utf-8"?>
+<p:sld xmlns:a="http://schemas.openxmlformats.org/drawingml/2006/main" xmlns:r="http://schemas.openxmlformats.org/officeDocument/2006/relationships" xmlns:p="http://schemas.openxmlformats.org/presentationml/2006/main">
+  <p:cSld>
+    <p:spTree>
+      <p:nvGrpSpPr>
+        <p:cNvPr id="1" name=""/>
+        <p:cNvGrpSpPr/>
+        <p:nvPr/>
+      </p:nvGrpSpPr>
+      <p:grpSpPr>
+        <a:xfrm>
+          <a:off x="0" y="0"/>
+          <a:ext cx="0" cy="0"/>
+          <a:chOff x="0" y="0"/>
+          <a:chExt cx="0" cy="0"/>
+        </a:xfrm>
+      </p:grpSpPr>
+      <p:sp>
+        <p:nvSpPr>
+          <p:cNvPr id="2" name="TextBox 1">
+            <a:extLst>
+              <a:ext uri="{FF2B5EF4-FFF2-40B4-BE49-F238E27FC236}">
+                <a16:creationId xmlns:a16="http://schemas.microsoft.com/office/drawing/2014/main" id="{4F4AE9FB-2A19-4A78-A593-487CF7F64C0C}"/>
+              </a:ext>
+            </a:extLst>
+          </p:cNvPr>
+          <p:cNvSpPr txBox="1"/>
+          <p:nvPr/>
+        </p:nvSpPr>
+        <p:spPr>
+          <a:xfrm>
+            <a:off x="176168" y="218114"/>
+            <a:ext cx="2751590" cy="615553"/>
+          </a:xfrm>
+          <a:prstGeom prst="rect">
+            <a:avLst/>
+          </a:prstGeom>
+          <a:noFill/>
+        </p:spPr>
+        <p:txBody>
+          <a:bodyPr wrap="square" rtlCol="0">
+            <a:spAutoFit/>
+          </a:bodyPr>
+          <a:lstStyle/>
+          <a:p>
+            <a:r>
+              <a:rPr lang="en-US" altLang="ko-KR" dirty="0">
+                <a:latin typeface="나눔스퀘어_ac" panose="020B0600000101010101" pitchFamily="50" charset="-127"/>
+                <a:ea typeface="나눔스퀘어_ac" panose="020B0600000101010101" pitchFamily="50" charset="-127"/>
+              </a:rPr>
+              <a:t>01. WICS </a:t>
+            </a:r>
+            <a:r>
+              <a:rPr lang="ko-KR" altLang="en-US" dirty="0">
+                <a:latin typeface="나눔스퀘어_ac" panose="020B0600000101010101" pitchFamily="50" charset="-127"/>
+                <a:ea typeface="나눔스퀘어_ac" panose="020B0600000101010101" pitchFamily="50" charset="-127"/>
+              </a:rPr>
+              <a:t>프로젝트</a:t>
+            </a:r>
+            <a:endParaRPr lang="en-US" altLang="ko-KR" sz="1600" dirty="0">
+              <a:latin typeface="나눔스퀘어_ac" panose="020B0600000101010101" pitchFamily="50" charset="-127"/>
+              <a:ea typeface="나눔스퀘어_ac" panose="020B0600000101010101" pitchFamily="50" charset="-127"/>
+            </a:endParaRPr>
+          </a:p>
+          <a:p>
+            <a:r>
+              <a:rPr lang="en-US" altLang="ko-KR" sz="1600" dirty="0">
+                <a:latin typeface="나눔스퀘어_ac" panose="020B0600000101010101" pitchFamily="50" charset="-127"/>
+                <a:ea typeface="나눔스퀘어_ac" panose="020B0600000101010101" pitchFamily="50" charset="-127"/>
+              </a:rPr>
+              <a:t>      : </a:t>
+            </a:r>
+            <a:r>
+              <a:rPr lang="ko-KR" altLang="en-US" sz="1600" dirty="0">
+                <a:latin typeface="나눔스퀘어_ac" panose="020B0600000101010101" pitchFamily="50" charset="-127"/>
+                <a:ea typeface="나눔스퀘어_ac" panose="020B0600000101010101" pitchFamily="50" charset="-127"/>
+              </a:rPr>
+              <a:t>구현 기능 소개</a:t>
+            </a:r>
+          </a:p>
+        </p:txBody>
+      </p:sp>
+      <p:sp>
+        <p:nvSpPr>
+          <p:cNvPr id="5" name="TextBox 4">
+            <a:extLst>
+              <a:ext uri="{FF2B5EF4-FFF2-40B4-BE49-F238E27FC236}">
+                <a16:creationId xmlns:a16="http://schemas.microsoft.com/office/drawing/2014/main" id="{F9CDCB2F-4A3F-476B-9F89-4F9C3D4F55B2}"/>
+              </a:ext>
+            </a:extLst>
+          </p:cNvPr>
+          <p:cNvSpPr txBox="1"/>
+          <p:nvPr/>
+        </p:nvSpPr>
+        <p:spPr>
+          <a:xfrm>
+            <a:off x="5038288" y="218114"/>
+            <a:ext cx="2377580" cy="769441"/>
+          </a:xfrm>
+          <a:prstGeom prst="rect">
+            <a:avLst/>
+          </a:prstGeom>
+          <a:noFill/>
+        </p:spPr>
+        <p:txBody>
+          <a:bodyPr wrap="square" rtlCol="0">
+            <a:spAutoFit/>
+          </a:bodyPr>
+          <a:lstStyle/>
+          <a:p>
+            <a:r>
+              <a:rPr lang="ko-KR" altLang="en-US" sz="4400" dirty="0">
+                <a:latin typeface="나눔스퀘어_ac ExtraBold" panose="020B0600000101010101" pitchFamily="50" charset="-127"/>
+                <a:ea typeface="나눔스퀘어_ac ExtraBold" panose="020B0600000101010101" pitchFamily="50" charset="-127"/>
+              </a:rPr>
+              <a:t>자동 댓글</a:t>
+            </a:r>
+          </a:p>
+        </p:txBody>
+      </p:sp>
+      <p:pic>
+        <p:nvPicPr>
+          <p:cNvPr id="10" name="그림 9">
+            <a:extLst>
+              <a:ext uri="{FF2B5EF4-FFF2-40B4-BE49-F238E27FC236}">
+                <a16:creationId xmlns:a16="http://schemas.microsoft.com/office/drawing/2014/main" id="{93CD5460-4E23-40F3-877B-104E01D7441F}"/>
+              </a:ext>
+            </a:extLst>
+          </p:cNvPr>
+          <p:cNvPicPr>
+            <a:picLocks noChangeAspect="1"/>
+          </p:cNvPicPr>
+          <p:nvPr/>
+        </p:nvPicPr>
+        <p:blipFill>
+          <a:blip r:embed="rId2"/>
+          <a:stretch>
+            <a:fillRect/>
+          </a:stretch>
+        </p:blipFill>
+        <p:spPr>
+          <a:xfrm>
+            <a:off x="1262334" y="2046914"/>
+            <a:ext cx="4360235" cy="2300915"/>
+          </a:xfrm>
+          <a:prstGeom prst="rect">
+            <a:avLst/>
+          </a:prstGeom>
+        </p:spPr>
+      </p:pic>
+      <p:pic>
+        <p:nvPicPr>
+          <p:cNvPr id="12" name="그림 11">
+            <a:extLst>
+              <a:ext uri="{FF2B5EF4-FFF2-40B4-BE49-F238E27FC236}">
+                <a16:creationId xmlns:a16="http://schemas.microsoft.com/office/drawing/2014/main" id="{90DB51D1-E6DE-4716-82AA-5EF7BD4ED47B}"/>
+              </a:ext>
+            </a:extLst>
+          </p:cNvPr>
+          <p:cNvPicPr>
+            <a:picLocks noChangeAspect="1"/>
+          </p:cNvPicPr>
+          <p:nvPr/>
+        </p:nvPicPr>
+        <p:blipFill>
+          <a:blip r:embed="rId3"/>
+          <a:stretch>
+            <a:fillRect/>
+          </a:stretch>
+        </p:blipFill>
+        <p:spPr>
+          <a:xfrm>
+            <a:off x="6838807" y="2046914"/>
+            <a:ext cx="4421572" cy="2300916"/>
+          </a:xfrm>
+          <a:prstGeom prst="rect">
+            <a:avLst/>
+          </a:prstGeom>
+        </p:spPr>
+      </p:pic>
+    </p:spTree>
+    <p:extLst>
+      <p:ext uri="{BB962C8B-B14F-4D97-AF65-F5344CB8AC3E}">
+        <p14:creationId xmlns:p14="http://schemas.microsoft.com/office/powerpoint/2010/main" val="2618037660"/>
+      </p:ext>
+    </p:extLst>
+  </p:cSld>
+  <p:clrMapOvr>
+    <a:masterClrMapping/>
+  </p:clrMapOvr>
+</p:sld>
+</file>
+
+<file path=ppt/slides/slide12.xml><?xml version="1.0" encoding="utf-8"?>
+<p:sld xmlns:a="http://schemas.openxmlformats.org/drawingml/2006/main" xmlns:r="http://schemas.openxmlformats.org/officeDocument/2006/relationships" xmlns:p="http://schemas.openxmlformats.org/presentationml/2006/main">
+  <p:cSld>
+    <p:spTree>
+      <p:nvGrpSpPr>
+        <p:cNvPr id="1" name=""/>
+        <p:cNvGrpSpPr/>
+        <p:nvPr/>
+      </p:nvGrpSpPr>
+      <p:grpSpPr>
+        <a:xfrm>
+          <a:off x="0" y="0"/>
+          <a:ext cx="0" cy="0"/>
+          <a:chOff x="0" y="0"/>
+          <a:chExt cx="0" cy="0"/>
+        </a:xfrm>
+      </p:grpSpPr>
+      <p:sp>
+        <p:nvSpPr>
+          <p:cNvPr id="2" name="TextBox 1">
+            <a:extLst>
+              <a:ext uri="{FF2B5EF4-FFF2-40B4-BE49-F238E27FC236}">
+                <a16:creationId xmlns:a16="http://schemas.microsoft.com/office/drawing/2014/main" id="{4F4AE9FB-2A19-4A78-A593-487CF7F64C0C}"/>
+              </a:ext>
+            </a:extLst>
+          </p:cNvPr>
+          <p:cNvSpPr txBox="1"/>
+          <p:nvPr/>
+        </p:nvSpPr>
+        <p:spPr>
+          <a:xfrm>
+            <a:off x="176168" y="218114"/>
+            <a:ext cx="2751590" cy="615553"/>
+          </a:xfrm>
+          <a:prstGeom prst="rect">
+            <a:avLst/>
+          </a:prstGeom>
+          <a:noFill/>
+        </p:spPr>
+        <p:txBody>
+          <a:bodyPr wrap="square" rtlCol="0">
+            <a:spAutoFit/>
+          </a:bodyPr>
+          <a:lstStyle/>
+          <a:p>
+            <a:r>
+              <a:rPr lang="en-US" altLang="ko-KR" dirty="0">
+                <a:latin typeface="나눔스퀘어_ac" panose="020B0600000101010101" pitchFamily="50" charset="-127"/>
+                <a:ea typeface="나눔스퀘어_ac" panose="020B0600000101010101" pitchFamily="50" charset="-127"/>
+              </a:rPr>
+              <a:t>01. WICS </a:t>
+            </a:r>
+            <a:r>
+              <a:rPr lang="ko-KR" altLang="en-US" dirty="0">
+                <a:latin typeface="나눔스퀘어_ac" panose="020B0600000101010101" pitchFamily="50" charset="-127"/>
+                <a:ea typeface="나눔스퀘어_ac" panose="020B0600000101010101" pitchFamily="50" charset="-127"/>
+              </a:rPr>
+              <a:t>프로젝트</a:t>
+            </a:r>
+            <a:endParaRPr lang="en-US" altLang="ko-KR" sz="1600" dirty="0">
+              <a:latin typeface="나눔스퀘어_ac" panose="020B0600000101010101" pitchFamily="50" charset="-127"/>
+              <a:ea typeface="나눔스퀘어_ac" panose="020B0600000101010101" pitchFamily="50" charset="-127"/>
+            </a:endParaRPr>
+          </a:p>
+          <a:p>
+            <a:r>
+              <a:rPr lang="en-US" altLang="ko-KR" sz="1600" dirty="0">
+                <a:latin typeface="나눔스퀘어_ac" panose="020B0600000101010101" pitchFamily="50" charset="-127"/>
+                <a:ea typeface="나눔스퀘어_ac" panose="020B0600000101010101" pitchFamily="50" charset="-127"/>
+              </a:rPr>
+              <a:t>      : </a:t>
+            </a:r>
+            <a:r>
+              <a:rPr lang="ko-KR" altLang="en-US" sz="1600" dirty="0">
+                <a:latin typeface="나눔스퀘어_ac" panose="020B0600000101010101" pitchFamily="50" charset="-127"/>
+                <a:ea typeface="나눔스퀘어_ac" panose="020B0600000101010101" pitchFamily="50" charset="-127"/>
+              </a:rPr>
+              <a:t>구현 기능 소개</a:t>
+            </a:r>
+          </a:p>
+        </p:txBody>
+      </p:sp>
+      <p:sp>
+        <p:nvSpPr>
+          <p:cNvPr id="6" name="TextBox 5">
+            <a:extLst>
+              <a:ext uri="{FF2B5EF4-FFF2-40B4-BE49-F238E27FC236}">
+                <a16:creationId xmlns:a16="http://schemas.microsoft.com/office/drawing/2014/main" id="{19BF6FE9-DC5B-4503-921D-0FE332276EA3}"/>
+              </a:ext>
+            </a:extLst>
+          </p:cNvPr>
+          <p:cNvSpPr txBox="1"/>
+          <p:nvPr/>
+        </p:nvSpPr>
+        <p:spPr>
+          <a:xfrm>
+            <a:off x="4144161" y="218114"/>
+            <a:ext cx="3271707" cy="1446550"/>
+          </a:xfrm>
+          <a:prstGeom prst="rect">
+            <a:avLst/>
+          </a:prstGeom>
+          <a:noFill/>
+        </p:spPr>
+        <p:txBody>
+          <a:bodyPr wrap="square" rtlCol="0">
+            <a:spAutoFit/>
+          </a:bodyPr>
+          <a:lstStyle/>
+          <a:p>
+            <a:pPr algn="ctr"/>
+            <a:r>
+              <a:rPr lang="ko-KR" altLang="en-US" sz="4400" dirty="0">
+                <a:latin typeface="나눔스퀘어_ac ExtraBold" panose="020B0600000101010101" pitchFamily="50" charset="-127"/>
+                <a:ea typeface="나눔스퀘어_ac ExtraBold" panose="020B0600000101010101" pitchFamily="50" charset="-127"/>
+              </a:rPr>
+              <a:t>회원정보 수정 즉시 반영</a:t>
+            </a:r>
+            <a:endParaRPr lang="en-US" altLang="ko-KR" sz="4400" dirty="0">
+              <a:latin typeface="나눔스퀘어_ac ExtraBold" panose="020B0600000101010101" pitchFamily="50" charset="-127"/>
+              <a:ea typeface="나눔스퀘어_ac ExtraBold" panose="020B0600000101010101" pitchFamily="50" charset="-127"/>
+            </a:endParaRPr>
+          </a:p>
+        </p:txBody>
+      </p:sp>
+      <p:pic>
+        <p:nvPicPr>
+          <p:cNvPr id="4" name="그림 3" descr="텍스트, 스크린샷, 소프트웨어, 디스플레이이(가) 표시된 사진&#10;&#10;자동 생성된 설명">
+            <a:extLst>
+              <a:ext uri="{FF2B5EF4-FFF2-40B4-BE49-F238E27FC236}">
+                <a16:creationId xmlns:a16="http://schemas.microsoft.com/office/drawing/2014/main" id="{BB693118-B121-2ACD-5EA4-EB621FCA1457}"/>
+              </a:ext>
+            </a:extLst>
+          </p:cNvPr>
+          <p:cNvPicPr>
+            <a:picLocks noChangeAspect="1"/>
+          </p:cNvPicPr>
+          <p:nvPr/>
+        </p:nvPicPr>
+        <p:blipFill>
+          <a:blip r:embed="rId2">
+            <a:extLst>
+              <a:ext uri="{28A0092B-C50C-407E-A947-70E740481C1C}">
+                <a14:useLocalDpi xmlns:a14="http://schemas.microsoft.com/office/drawing/2010/main" val="0"/>
+              </a:ext>
+            </a:extLst>
+          </a:blip>
+          <a:stretch>
+            <a:fillRect/>
+          </a:stretch>
+        </p:blipFill>
+        <p:spPr>
+          <a:xfrm>
+            <a:off x="543082" y="2322393"/>
+            <a:ext cx="5392019" cy="2929228"/>
+          </a:xfrm>
+          <a:prstGeom prst="rect">
+            <a:avLst/>
+          </a:prstGeom>
+        </p:spPr>
+      </p:pic>
+    </p:spTree>
+    <p:extLst>
+      <p:ext uri="{BB962C8B-B14F-4D97-AF65-F5344CB8AC3E}">
+        <p14:creationId xmlns:p14="http://schemas.microsoft.com/office/powerpoint/2010/main" val="2661858539"/>
+      </p:ext>
+    </p:extLst>
+  </p:cSld>
+  <p:clrMapOvr>
+    <a:masterClrMapping/>
+  </p:clrMapOvr>
+</p:sld>
+</file>
+
+<file path=ppt/slides/slide13.xml><?xml version="1.0" encoding="utf-8"?>
+<p:sld xmlns:a="http://schemas.openxmlformats.org/drawingml/2006/main" xmlns:r="http://schemas.openxmlformats.org/officeDocument/2006/relationships" xmlns:p="http://schemas.openxmlformats.org/presentationml/2006/main">
+  <p:cSld>
+    <p:spTree>
+      <p:nvGrpSpPr>
+        <p:cNvPr id="1" name=""/>
+        <p:cNvGrpSpPr/>
+        <p:nvPr/>
+      </p:nvGrpSpPr>
+      <p:grpSpPr>
+        <a:xfrm>
+          <a:off x="0" y="0"/>
+          <a:ext cx="0" cy="0"/>
+          <a:chOff x="0" y="0"/>
+          <a:chExt cx="0" cy="0"/>
+        </a:xfrm>
+      </p:grpSpPr>
+      <p:sp>
+        <p:nvSpPr>
+          <p:cNvPr id="2" name="TextBox 1">
+            <a:extLst>
+              <a:ext uri="{FF2B5EF4-FFF2-40B4-BE49-F238E27FC236}">
+                <a16:creationId xmlns:a16="http://schemas.microsoft.com/office/drawing/2014/main" id="{4F4AE9FB-2A19-4A78-A593-487CF7F64C0C}"/>
+              </a:ext>
+            </a:extLst>
+          </p:cNvPr>
+          <p:cNvSpPr txBox="1"/>
+          <p:nvPr/>
+        </p:nvSpPr>
+        <p:spPr>
+          <a:xfrm>
+            <a:off x="176168" y="218114"/>
+            <a:ext cx="2751590" cy="615553"/>
+          </a:xfrm>
+          <a:prstGeom prst="rect">
+            <a:avLst/>
+          </a:prstGeom>
+          <a:noFill/>
+        </p:spPr>
+        <p:txBody>
+          <a:bodyPr wrap="square" rtlCol="0">
+            <a:spAutoFit/>
+          </a:bodyPr>
+          <a:lstStyle/>
+          <a:p>
+            <a:r>
+              <a:rPr lang="en-US" altLang="ko-KR" dirty="0">
+                <a:latin typeface="나눔스퀘어_ac" panose="020B0600000101010101" pitchFamily="50" charset="-127"/>
+                <a:ea typeface="나눔스퀘어_ac" panose="020B0600000101010101" pitchFamily="50" charset="-127"/>
+              </a:rPr>
+              <a:t>01. WICS </a:t>
+            </a:r>
+            <a:r>
+              <a:rPr lang="ko-KR" altLang="en-US" dirty="0">
+                <a:latin typeface="나눔스퀘어_ac" panose="020B0600000101010101" pitchFamily="50" charset="-127"/>
+                <a:ea typeface="나눔스퀘어_ac" panose="020B0600000101010101" pitchFamily="50" charset="-127"/>
+              </a:rPr>
+              <a:t>프로젝트</a:t>
+            </a:r>
+            <a:endParaRPr lang="en-US" altLang="ko-KR" sz="1600" dirty="0">
+              <a:latin typeface="나눔스퀘어_ac" panose="020B0600000101010101" pitchFamily="50" charset="-127"/>
+              <a:ea typeface="나눔스퀘어_ac" panose="020B0600000101010101" pitchFamily="50" charset="-127"/>
+            </a:endParaRPr>
+          </a:p>
+          <a:p>
+            <a:r>
+              <a:rPr lang="en-US" altLang="ko-KR" sz="1600" dirty="0">
+                <a:latin typeface="나눔스퀘어_ac" panose="020B0600000101010101" pitchFamily="50" charset="-127"/>
+                <a:ea typeface="나눔스퀘어_ac" panose="020B0600000101010101" pitchFamily="50" charset="-127"/>
+              </a:rPr>
+              <a:t>      : </a:t>
+            </a:r>
+            <a:r>
+              <a:rPr lang="ko-KR" altLang="en-US" sz="1600" dirty="0">
+                <a:latin typeface="나눔스퀘어_ac" panose="020B0600000101010101" pitchFamily="50" charset="-127"/>
+                <a:ea typeface="나눔스퀘어_ac" panose="020B0600000101010101" pitchFamily="50" charset="-127"/>
+              </a:rPr>
+              <a:t>구현 기능 소개</a:t>
+            </a:r>
+          </a:p>
+        </p:txBody>
+      </p:sp>
+      <p:pic>
+        <p:nvPicPr>
+          <p:cNvPr id="3" name="그림 2">
+            <a:extLst>
+              <a:ext uri="{FF2B5EF4-FFF2-40B4-BE49-F238E27FC236}">
+                <a16:creationId xmlns:a16="http://schemas.microsoft.com/office/drawing/2014/main" id="{FB85E05B-5FF5-453A-E991-49BD08DE37AE}"/>
+              </a:ext>
+            </a:extLst>
+          </p:cNvPr>
+          <p:cNvPicPr>
+            <a:picLocks noChangeAspect="1"/>
+          </p:cNvPicPr>
+          <p:nvPr/>
+        </p:nvPicPr>
+        <p:blipFill>
+          <a:blip r:embed="rId2"/>
+          <a:stretch>
+            <a:fillRect/>
+          </a:stretch>
+        </p:blipFill>
+        <p:spPr>
+          <a:xfrm>
+            <a:off x="667370" y="1132437"/>
+            <a:ext cx="4661872" cy="2997542"/>
+          </a:xfrm>
+          <a:prstGeom prst="rect">
+            <a:avLst/>
+          </a:prstGeom>
+        </p:spPr>
+      </p:pic>
+    </p:spTree>
+    <p:extLst>
+      <p:ext uri="{BB962C8B-B14F-4D97-AF65-F5344CB8AC3E}">
+        <p14:creationId xmlns:p14="http://schemas.microsoft.com/office/powerpoint/2010/main" val="3782928728"/>
+      </p:ext>
+    </p:extLst>
+  </p:cSld>
+  <p:clrMapOvr>
+    <a:masterClrMapping/>
+  </p:clrMapOvr>
+</p:sld>
+</file>
+
+<file path=ppt/slides/slide2.xml><?xml version="1.0" encoding="utf-8"?>
+<p:sld xmlns:a="http://schemas.openxmlformats.org/drawingml/2006/main" xmlns:r="http://schemas.openxmlformats.org/officeDocument/2006/relationships" xmlns:p="http://schemas.openxmlformats.org/presentationml/2006/main">
+  <p:cSld>
+    <p:spTree>
+      <p:nvGrpSpPr>
+        <p:cNvPr id="1" name=""/>
+        <p:cNvGrpSpPr/>
+        <p:nvPr/>
+      </p:nvGrpSpPr>
+      <p:grpSpPr>
+        <a:xfrm>
+          <a:off x="0" y="0"/>
+          <a:ext cx="0" cy="0"/>
+          <a:chOff x="0" y="0"/>
+          <a:chExt cx="0" cy="0"/>
+        </a:xfrm>
+      </p:grpSpPr>
+      <p:sp>
+        <p:nvSpPr>
+          <p:cNvPr id="8" name="직사각형 7">
+            <a:extLst>
+              <a:ext uri="{FF2B5EF4-FFF2-40B4-BE49-F238E27FC236}">
+                <a16:creationId xmlns:a16="http://schemas.microsoft.com/office/drawing/2014/main" id="{B02ABCD0-82BF-C6B4-51FF-CCEE31EAA497}"/>
+              </a:ext>
+            </a:extLst>
+          </p:cNvPr>
+          <p:cNvSpPr/>
+          <p:nvPr/>
+        </p:nvSpPr>
+        <p:spPr>
+          <a:xfrm>
+            <a:off x="-98855" y="-9000"/>
+            <a:ext cx="2700000" cy="6876000"/>
+          </a:xfrm>
+          <a:prstGeom prst="rect">
+            <a:avLst/>
+          </a:prstGeom>
+          <a:solidFill>
+            <a:srgbClr val="96979C"/>
+          </a:solidFill>
+          <a:ln>
+            <a:noFill/>
+          </a:ln>
+        </p:spPr>
+        <p:style>
+          <a:lnRef idx="2">
+            <a:schemeClr val="accent1">
+              <a:shade val="15000"/>
+            </a:schemeClr>
+          </a:lnRef>
+          <a:fillRef idx="1">
+            <a:schemeClr val="accent1"/>
+          </a:fillRef>
+          <a:effectRef idx="0">
+            <a:schemeClr val="accent1"/>
+          </a:effectRef>
+          <a:fontRef idx="minor">
+            <a:schemeClr val="lt1"/>
+          </a:fontRef>
+        </p:style>
+        <p:txBody>
+          <a:bodyPr rtlCol="0" anchor="ctr"/>
+          <a:lstStyle/>
+          <a:p>
+            <a:pPr algn="ctr"/>
+            <a:endParaRPr kumimoji="1" lang="ko-KR" altLang="en-US" dirty="0"/>
+          </a:p>
+        </p:txBody>
+      </p:sp>
+      <p:sp>
+        <p:nvSpPr>
+          <p:cNvPr id="10" name="TextBox 9">
+            <a:extLst>
+              <a:ext uri="{FF2B5EF4-FFF2-40B4-BE49-F238E27FC236}">
+                <a16:creationId xmlns:a16="http://schemas.microsoft.com/office/drawing/2014/main" id="{3A511DA8-8375-60F5-6B57-68722EF32E7D}"/>
+              </a:ext>
+            </a:extLst>
+          </p:cNvPr>
+          <p:cNvSpPr txBox="1"/>
+          <p:nvPr/>
+        </p:nvSpPr>
+        <p:spPr>
+          <a:xfrm>
+            <a:off x="2767914" y="-803189"/>
+            <a:ext cx="184731" cy="369332"/>
+          </a:xfrm>
+          <a:prstGeom prst="rect">
+            <a:avLst/>
+          </a:prstGeom>
+          <a:noFill/>
+        </p:spPr>
+        <p:txBody>
+          <a:bodyPr wrap="none" rtlCol="0">
+            <a:spAutoFit/>
+          </a:bodyPr>
+          <a:lstStyle/>
+          <a:p>
+            <a:endParaRPr kumimoji="1" lang="ko-KR" altLang="en-US" dirty="0"/>
+          </a:p>
+        </p:txBody>
+      </p:sp>
+      <p:sp>
+        <p:nvSpPr>
+          <p:cNvPr id="13" name="직사각형 12">
+            <a:extLst>
+              <a:ext uri="{FF2B5EF4-FFF2-40B4-BE49-F238E27FC236}">
+                <a16:creationId xmlns:a16="http://schemas.microsoft.com/office/drawing/2014/main" id="{7DA9F78D-9C65-395F-89C7-80113E264849}"/>
+              </a:ext>
+            </a:extLst>
+          </p:cNvPr>
+          <p:cNvSpPr/>
+          <p:nvPr/>
+        </p:nvSpPr>
+        <p:spPr>
+          <a:xfrm>
+            <a:off x="-98855" y="914400"/>
+            <a:ext cx="3163331" cy="49427"/>
+          </a:xfrm>
+          <a:prstGeom prst="rect">
+            <a:avLst/>
+          </a:prstGeom>
+          <a:solidFill>
+            <a:srgbClr val="F1DDA8"/>
+          </a:solidFill>
+          <a:ln>
+            <a:noFill/>
+          </a:ln>
+        </p:spPr>
+        <p:style>
+          <a:lnRef idx="2">
+            <a:schemeClr val="accent1">
+              <a:shade val="15000"/>
+            </a:schemeClr>
+          </a:lnRef>
+          <a:fillRef idx="1">
+            <a:schemeClr val="accent1"/>
+          </a:fillRef>
+          <a:effectRef idx="0">
+            <a:schemeClr val="accent1"/>
+          </a:effectRef>
+          <a:fontRef idx="minor">
+            <a:schemeClr val="lt1"/>
+          </a:fontRef>
+        </p:style>
+        <p:txBody>
+          <a:bodyPr rtlCol="0" anchor="ctr"/>
+          <a:lstStyle/>
+          <a:p>
+            <a:pPr algn="ctr"/>
+            <a:endParaRPr kumimoji="1" lang="ko-KR" altLang="en-US"/>
+          </a:p>
+        </p:txBody>
+      </p:sp>
+    </p:spTree>
+    <p:extLst>
+      <p:ext uri="{BB962C8B-B14F-4D97-AF65-F5344CB8AC3E}">
+        <p14:creationId xmlns:p14="http://schemas.microsoft.com/office/powerpoint/2010/main" val="1700102399"/>
+      </p:ext>
+    </p:extLst>
+  </p:cSld>
+  <p:clrMapOvr>
+    <a:masterClrMapping/>
+  </p:clrMapOvr>
+</p:sld>
+</file>
+
+<file path=ppt/slides/slide3.xml><?xml version="1.0" encoding="utf-8"?>
+<p:sld xmlns:a="http://schemas.openxmlformats.org/drawingml/2006/main" xmlns:r="http://schemas.openxmlformats.org/officeDocument/2006/relationships" xmlns:p="http://schemas.openxmlformats.org/presentationml/2006/main">
+  <p:cSld>
+    <p:spTree>
+      <p:nvGrpSpPr>
+        <p:cNvPr id="1" name=""/>
+        <p:cNvGrpSpPr/>
+        <p:nvPr/>
+      </p:nvGrpSpPr>
+      <p:grpSpPr>
+        <a:xfrm>
+          <a:off x="0" y="0"/>
+          <a:ext cx="0" cy="0"/>
+          <a:chOff x="0" y="0"/>
+          <a:chExt cx="0" cy="0"/>
+        </a:xfrm>
+      </p:grpSpPr>
+      <p:sp>
+        <p:nvSpPr>
+          <p:cNvPr id="8" name="TextBox 7">
+            <a:extLst>
+              <a:ext uri="{FF2B5EF4-FFF2-40B4-BE49-F238E27FC236}">
+                <a16:creationId xmlns:a16="http://schemas.microsoft.com/office/drawing/2014/main" id="{217E743A-D2E5-428B-8246-261082AFD630}"/>
+              </a:ext>
+            </a:extLst>
+          </p:cNvPr>
+          <p:cNvSpPr txBox="1"/>
+          <p:nvPr/>
+        </p:nvSpPr>
+        <p:spPr>
+          <a:xfrm>
+            <a:off x="5424881" y="637563"/>
+            <a:ext cx="1342238" cy="830997"/>
+          </a:xfrm>
+          <a:prstGeom prst="rect">
+            <a:avLst/>
+          </a:prstGeom>
+          <a:noFill/>
+        </p:spPr>
+        <p:txBody>
+          <a:bodyPr wrap="square" rtlCol="0">
+            <a:spAutoFit/>
+          </a:bodyPr>
+          <a:lstStyle/>
+          <a:p>
+            <a:r>
+              <a:rPr lang="ko-KR" altLang="en-US" sz="4800" dirty="0">
+                <a:latin typeface="나눔스퀘어_ac ExtraBold" panose="020B0600000101010101" pitchFamily="50" charset="-127"/>
+                <a:ea typeface="나눔스퀘어_ac ExtraBold" panose="020B0600000101010101" pitchFamily="50" charset="-127"/>
+              </a:rPr>
+              <a:t>목차</a:t>
+            </a:r>
+          </a:p>
+        </p:txBody>
+      </p:sp>
+      <p:sp>
+        <p:nvSpPr>
+          <p:cNvPr id="9" name="TextBox 8">
+            <a:extLst>
+              <a:ext uri="{FF2B5EF4-FFF2-40B4-BE49-F238E27FC236}">
+                <a16:creationId xmlns:a16="http://schemas.microsoft.com/office/drawing/2014/main" id="{3DA11379-F976-4A49-B0CA-3039A3951991}"/>
+              </a:ext>
+            </a:extLst>
+          </p:cNvPr>
+          <p:cNvSpPr txBox="1"/>
+          <p:nvPr/>
+        </p:nvSpPr>
+        <p:spPr>
+          <a:xfrm>
+            <a:off x="1800837" y="2185333"/>
+            <a:ext cx="8590326" cy="3093154"/>
+          </a:xfrm>
+          <a:prstGeom prst="rect">
+            <a:avLst/>
+          </a:prstGeom>
+          <a:noFill/>
+        </p:spPr>
+        <p:txBody>
+          <a:bodyPr wrap="square" rtlCol="0">
+            <a:spAutoFit/>
+          </a:bodyPr>
+          <a:lstStyle/>
+          <a:p>
+            <a:pPr marL="514350" indent="-514350">
+              <a:buAutoNum type="arabicPeriod"/>
+            </a:pPr>
+            <a:r>
+              <a:rPr lang="en-US" altLang="ko-KR" sz="3200" dirty="0">
+                <a:latin typeface="나눔스퀘어_ac Bold" panose="020B0600000101010101" pitchFamily="50" charset="-127"/>
+                <a:ea typeface="나눔스퀘어_ac Bold" panose="020B0600000101010101" pitchFamily="50" charset="-127"/>
+              </a:rPr>
+              <a:t>WICS</a:t>
+            </a:r>
+            <a:r>
+              <a:rPr lang="ko-KR" altLang="en-US" sz="3200" dirty="0">
+                <a:latin typeface="나눔스퀘어_ac Bold" panose="020B0600000101010101" pitchFamily="50" charset="-127"/>
+                <a:ea typeface="나눔스퀘어_ac Bold" panose="020B0600000101010101" pitchFamily="50" charset="-127"/>
+              </a:rPr>
+              <a:t> 프로젝트</a:t>
+            </a:r>
+            <a:endParaRPr lang="en-US" altLang="ko-KR" sz="3200" dirty="0">
+              <a:latin typeface="나눔스퀘어_ac Bold" panose="020B0600000101010101" pitchFamily="50" charset="-127"/>
+              <a:ea typeface="나눔스퀘어_ac Bold" panose="020B0600000101010101" pitchFamily="50" charset="-127"/>
+            </a:endParaRPr>
+          </a:p>
+          <a:p>
+            <a:endParaRPr lang="en-US" altLang="ko-KR" sz="1100" dirty="0">
+              <a:latin typeface="나눔스퀘어_ac Bold" panose="020B0600000101010101" pitchFamily="50" charset="-127"/>
+              <a:ea typeface="나눔스퀘어_ac Bold" panose="020B0600000101010101" pitchFamily="50" charset="-127"/>
+            </a:endParaRPr>
+          </a:p>
+          <a:p>
+            <a:pPr marL="457200" indent="-457200">
+              <a:buFontTx/>
+              <a:buChar char="-"/>
+            </a:pPr>
+            <a:r>
+              <a:rPr lang="ko-KR" altLang="en-US" sz="2400" dirty="0">
+                <a:latin typeface="나눔스퀘어_ac Bold" panose="020B0600000101010101" pitchFamily="50" charset="-127"/>
+                <a:ea typeface="나눔스퀘어_ac Bold" panose="020B0600000101010101" pitchFamily="50" charset="-127"/>
+              </a:rPr>
+              <a:t>프로젝트 개요</a:t>
+            </a:r>
+            <a:endParaRPr lang="en-US" altLang="ko-KR" sz="2400" dirty="0">
+              <a:latin typeface="나눔스퀘어_ac Bold" panose="020B0600000101010101" pitchFamily="50" charset="-127"/>
+              <a:ea typeface="나눔스퀘어_ac Bold" panose="020B0600000101010101" pitchFamily="50" charset="-127"/>
+            </a:endParaRPr>
+          </a:p>
+          <a:p>
+            <a:endParaRPr lang="en-US" altLang="ko-KR" sz="800" dirty="0">
+              <a:latin typeface="나눔스퀘어_ac Bold" panose="020B0600000101010101" pitchFamily="50" charset="-127"/>
+              <a:ea typeface="나눔스퀘어_ac Bold" panose="020B0600000101010101" pitchFamily="50" charset="-127"/>
+            </a:endParaRPr>
+          </a:p>
+          <a:p>
+            <a:pPr marL="457200" indent="-457200">
+              <a:buFontTx/>
+              <a:buChar char="-"/>
+            </a:pPr>
+            <a:r>
+              <a:rPr lang="ko-KR" altLang="en-US" sz="2400" dirty="0">
+                <a:latin typeface="나눔스퀘어_ac Bold" panose="020B0600000101010101" pitchFamily="50" charset="-127"/>
+                <a:ea typeface="나눔스퀘어_ac Bold" panose="020B0600000101010101" pitchFamily="50" charset="-127"/>
+              </a:rPr>
+              <a:t>구현 기능 소개</a:t>
+            </a:r>
+            <a:endParaRPr lang="en-US" altLang="ko-KR" sz="2400" dirty="0">
+              <a:latin typeface="나눔스퀘어_ac Bold" panose="020B0600000101010101" pitchFamily="50" charset="-127"/>
+              <a:ea typeface="나눔스퀘어_ac Bold" panose="020B0600000101010101" pitchFamily="50" charset="-127"/>
+            </a:endParaRPr>
+          </a:p>
+          <a:p>
+            <a:endParaRPr lang="en-US" altLang="ko-KR" sz="3200" dirty="0">
+              <a:latin typeface="나눔스퀘어_ac Bold" panose="020B0600000101010101" pitchFamily="50" charset="-127"/>
+              <a:ea typeface="나눔스퀘어_ac Bold" panose="020B0600000101010101" pitchFamily="50" charset="-127"/>
+            </a:endParaRPr>
+          </a:p>
+          <a:p>
+            <a:r>
+              <a:rPr lang="en-US" altLang="ko-KR" sz="3200" dirty="0">
+                <a:latin typeface="나눔스퀘어_ac Bold" panose="020B0600000101010101" pitchFamily="50" charset="-127"/>
+                <a:ea typeface="나눔스퀘어_ac Bold" panose="020B0600000101010101" pitchFamily="50" charset="-127"/>
+              </a:rPr>
+              <a:t>02. </a:t>
+            </a:r>
+            <a:r>
+              <a:rPr lang="ko-KR" altLang="en-US" sz="3200" dirty="0">
+                <a:latin typeface="나눔스퀘어_ac Bold" panose="020B0600000101010101" pitchFamily="50" charset="-127"/>
+                <a:ea typeface="나눔스퀘어_ac Bold" panose="020B0600000101010101" pitchFamily="50" charset="-127"/>
+              </a:rPr>
+              <a:t>개인 과제</a:t>
+            </a:r>
+            <a:endParaRPr lang="en-US" altLang="ko-KR" sz="3200" dirty="0">
+              <a:latin typeface="나눔스퀘어_ac Bold" panose="020B0600000101010101" pitchFamily="50" charset="-127"/>
+              <a:ea typeface="나눔스퀘어_ac Bold" panose="020B0600000101010101" pitchFamily="50" charset="-127"/>
+            </a:endParaRPr>
+          </a:p>
+          <a:p>
+            <a:endParaRPr lang="ko-KR" altLang="en-US" sz="3200" dirty="0">
+              <a:latin typeface="나눔스퀘어_ac Bold" panose="020B0600000101010101" pitchFamily="50" charset="-127"/>
+              <a:ea typeface="나눔스퀘어_ac Bold" panose="020B0600000101010101" pitchFamily="50" charset="-127"/>
+            </a:endParaRPr>
+          </a:p>
+        </p:txBody>
+      </p:sp>
+    </p:spTree>
+    <p:extLst>
+      <p:ext uri="{BB962C8B-B14F-4D97-AF65-F5344CB8AC3E}">
+        <p14:creationId xmlns:p14="http://schemas.microsoft.com/office/powerpoint/2010/main" val="1057470068"/>
+      </p:ext>
+    </p:extLst>
+  </p:cSld>
+  <p:clrMapOvr>
+    <a:masterClrMapping/>
+  </p:clrMapOvr>
+</p:sld>
+</file>
+
+<file path=ppt/slides/slide4.xml><?xml version="1.0" encoding="utf-8"?>
+<p:sld xmlns:a="http://schemas.openxmlformats.org/drawingml/2006/main" xmlns:r="http://schemas.openxmlformats.org/officeDocument/2006/relationships" xmlns:p="http://schemas.openxmlformats.org/presentationml/2006/main">
+  <p:cSld>
+    <p:spTree>
+      <p:nvGrpSpPr>
+        <p:cNvPr id="1" name=""/>
+        <p:cNvGrpSpPr/>
+        <p:nvPr/>
+      </p:nvGrpSpPr>
+      <p:grpSpPr>
+        <a:xfrm>
+          <a:off x="0" y="0"/>
+          <a:ext cx="0" cy="0"/>
+          <a:chOff x="0" y="0"/>
+          <a:chExt cx="0" cy="0"/>
+        </a:xfrm>
+      </p:grpSpPr>
+      <p:sp>
+        <p:nvSpPr>
+          <p:cNvPr id="2" name="TextBox 1">
+            <a:extLst>
+              <a:ext uri="{FF2B5EF4-FFF2-40B4-BE49-F238E27FC236}">
+                <a16:creationId xmlns:a16="http://schemas.microsoft.com/office/drawing/2014/main" id="{4F4AE9FB-2A19-4A78-A593-487CF7F64C0C}"/>
+              </a:ext>
+            </a:extLst>
+          </p:cNvPr>
+          <p:cNvSpPr txBox="1"/>
+          <p:nvPr/>
+        </p:nvSpPr>
+        <p:spPr>
+          <a:xfrm>
+            <a:off x="176168" y="218114"/>
+            <a:ext cx="2751590" cy="615553"/>
+          </a:xfrm>
+          <a:prstGeom prst="rect">
+            <a:avLst/>
+          </a:prstGeom>
+          <a:noFill/>
+        </p:spPr>
+        <p:txBody>
+          <a:bodyPr wrap="square" rtlCol="0">
+            <a:spAutoFit/>
+          </a:bodyPr>
+          <a:lstStyle/>
+          <a:p>
+            <a:r>
+              <a:rPr lang="en-US" altLang="ko-KR" dirty="0">
+                <a:latin typeface="나눔스퀘어_ac" panose="020B0600000101010101" pitchFamily="50" charset="-127"/>
+                <a:ea typeface="나눔스퀘어_ac" panose="020B0600000101010101" pitchFamily="50" charset="-127"/>
+              </a:rPr>
+              <a:t>01. WICS </a:t>
+            </a:r>
+            <a:r>
+              <a:rPr lang="ko-KR" altLang="en-US" dirty="0">
+                <a:latin typeface="나눔스퀘어_ac" panose="020B0600000101010101" pitchFamily="50" charset="-127"/>
+                <a:ea typeface="나눔스퀘어_ac" panose="020B0600000101010101" pitchFamily="50" charset="-127"/>
+              </a:rPr>
+              <a:t>프로젝트</a:t>
+            </a:r>
+            <a:endParaRPr lang="en-US" altLang="ko-KR" sz="1600" dirty="0">
+              <a:latin typeface="나눔스퀘어_ac" panose="020B0600000101010101" pitchFamily="50" charset="-127"/>
+              <a:ea typeface="나눔스퀘어_ac" panose="020B0600000101010101" pitchFamily="50" charset="-127"/>
+            </a:endParaRPr>
+          </a:p>
+          <a:p>
+            <a:r>
+              <a:rPr lang="en-US" altLang="ko-KR" sz="1600" dirty="0">
+                <a:latin typeface="나눔스퀘어_ac" panose="020B0600000101010101" pitchFamily="50" charset="-127"/>
+                <a:ea typeface="나눔스퀘어_ac" panose="020B0600000101010101" pitchFamily="50" charset="-127"/>
+              </a:rPr>
+              <a:t>      : </a:t>
+            </a:r>
+            <a:r>
+              <a:rPr lang="ko-KR" altLang="en-US" sz="1600" dirty="0">
+                <a:latin typeface="나눔스퀘어_ac" panose="020B0600000101010101" pitchFamily="50" charset="-127"/>
+                <a:ea typeface="나눔스퀘어_ac" panose="020B0600000101010101" pitchFamily="50" charset="-127"/>
+              </a:rPr>
+              <a:t>프로젝트 개요</a:t>
+            </a:r>
+          </a:p>
+        </p:txBody>
+      </p:sp>
+      <p:sp>
+        <p:nvSpPr>
+          <p:cNvPr id="5" name="TextBox 4">
+            <a:extLst>
+              <a:ext uri="{FF2B5EF4-FFF2-40B4-BE49-F238E27FC236}">
+                <a16:creationId xmlns:a16="http://schemas.microsoft.com/office/drawing/2014/main" id="{F9CDCB2F-4A3F-476B-9F89-4F9C3D4F55B2}"/>
+              </a:ext>
+            </a:extLst>
+          </p:cNvPr>
+          <p:cNvSpPr txBox="1"/>
+          <p:nvPr/>
+        </p:nvSpPr>
+        <p:spPr>
+          <a:xfrm>
+            <a:off x="5143849" y="189983"/>
+            <a:ext cx="1635854" cy="769441"/>
+          </a:xfrm>
+          <a:prstGeom prst="rect">
+            <a:avLst/>
+          </a:prstGeom>
+          <a:noFill/>
+        </p:spPr>
+        <p:txBody>
+          <a:bodyPr wrap="square" rtlCol="0">
+            <a:spAutoFit/>
+          </a:bodyPr>
+          <a:lstStyle/>
+          <a:p>
+            <a:r>
+              <a:rPr lang="en-US" altLang="ko-KR" sz="4400" dirty="0">
+                <a:latin typeface="나눔스퀘어_ac ExtraBold" panose="020B0600000101010101" pitchFamily="50" charset="-127"/>
+                <a:ea typeface="나눔스퀘어_ac ExtraBold" panose="020B0600000101010101" pitchFamily="50" charset="-127"/>
+              </a:rPr>
+              <a:t>WICS</a:t>
+            </a:r>
+            <a:endParaRPr lang="ko-KR" altLang="en-US" sz="4400" dirty="0">
+              <a:latin typeface="나눔스퀘어_ac ExtraBold" panose="020B0600000101010101" pitchFamily="50" charset="-127"/>
+              <a:ea typeface="나눔스퀘어_ac ExtraBold" panose="020B0600000101010101" pitchFamily="50" charset="-127"/>
+            </a:endParaRPr>
+          </a:p>
+        </p:txBody>
+      </p:sp>
+      <p:pic>
+        <p:nvPicPr>
+          <p:cNvPr id="6" name="그림 5">
+            <a:extLst>
+              <a:ext uri="{FF2B5EF4-FFF2-40B4-BE49-F238E27FC236}">
+                <a16:creationId xmlns:a16="http://schemas.microsoft.com/office/drawing/2014/main" id="{5B421084-F80B-40B9-99F0-8BBEEE8B37BB}"/>
+              </a:ext>
+            </a:extLst>
+          </p:cNvPr>
+          <p:cNvPicPr>
+            <a:picLocks noChangeAspect="1"/>
+          </p:cNvPicPr>
+          <p:nvPr/>
+        </p:nvPicPr>
+        <p:blipFill rotWithShape="1">
+          <a:blip r:embed="rId2"/>
+          <a:srcRect l="5427" t="9472" r="8646"/>
+          <a:stretch/>
+        </p:blipFill>
+        <p:spPr>
+          <a:xfrm>
+            <a:off x="725557" y="2387524"/>
+            <a:ext cx="4909930" cy="3505351"/>
+          </a:xfrm>
+          <a:prstGeom prst="rect">
+            <a:avLst/>
+          </a:prstGeom>
+        </p:spPr>
+      </p:pic>
+      <p:sp>
+        <p:nvSpPr>
+          <p:cNvPr id="7" name="TextBox 6">
+            <a:extLst>
+              <a:ext uri="{FF2B5EF4-FFF2-40B4-BE49-F238E27FC236}">
+                <a16:creationId xmlns:a16="http://schemas.microsoft.com/office/drawing/2014/main" id="{F50C8588-D37F-41C9-9B47-1FB9B70ECBDA}"/>
+              </a:ext>
+            </a:extLst>
+          </p:cNvPr>
+          <p:cNvSpPr txBox="1"/>
+          <p:nvPr/>
+        </p:nvSpPr>
+        <p:spPr>
+          <a:xfrm>
+            <a:off x="4173523" y="833667"/>
+            <a:ext cx="3576506" cy="369332"/>
+          </a:xfrm>
+          <a:prstGeom prst="rect">
+            <a:avLst/>
+          </a:prstGeom>
+          <a:noFill/>
+        </p:spPr>
+        <p:txBody>
+          <a:bodyPr wrap="square" rtlCol="0">
+            <a:spAutoFit/>
+          </a:bodyPr>
+          <a:lstStyle/>
+          <a:p>
+            <a:r>
+              <a:rPr lang="en-US" altLang="ko-KR" dirty="0" err="1">
+                <a:latin typeface="나눔스퀘어_ac Bold" panose="020B0600000101010101" pitchFamily="50" charset="-127"/>
+                <a:ea typeface="나눔스퀘어_ac Bold" panose="020B0600000101010101" pitchFamily="50" charset="-127"/>
+              </a:rPr>
+              <a:t>Woongjin</a:t>
+            </a:r>
+            <a:r>
+              <a:rPr lang="en-US" altLang="ko-KR" dirty="0">
+                <a:latin typeface="나눔스퀘어_ac Bold" panose="020B0600000101010101" pitchFamily="50" charset="-127"/>
+                <a:ea typeface="나눔스퀘어_ac Bold" panose="020B0600000101010101" pitchFamily="50" charset="-127"/>
+              </a:rPr>
+              <a:t> Issue Control System </a:t>
+            </a:r>
+            <a:endParaRPr lang="ko-KR" altLang="en-US" dirty="0">
+              <a:latin typeface="나눔스퀘어_ac Bold" panose="020B0600000101010101" pitchFamily="50" charset="-127"/>
+              <a:ea typeface="나눔스퀘어_ac Bold" panose="020B0600000101010101" pitchFamily="50" charset="-127"/>
+            </a:endParaRPr>
+          </a:p>
+        </p:txBody>
+      </p:sp>
+      <p:sp>
+        <p:nvSpPr>
+          <p:cNvPr id="10" name="TextBox 9">
+            <a:extLst>
+              <a:ext uri="{FF2B5EF4-FFF2-40B4-BE49-F238E27FC236}">
+                <a16:creationId xmlns:a16="http://schemas.microsoft.com/office/drawing/2014/main" id="{1CFCD46E-889B-4E20-8F5D-E692F2B5BBF7}"/>
+              </a:ext>
+            </a:extLst>
+          </p:cNvPr>
+          <p:cNvSpPr txBox="1"/>
+          <p:nvPr/>
+        </p:nvSpPr>
+        <p:spPr>
+          <a:xfrm>
+            <a:off x="6354418" y="2713382"/>
+            <a:ext cx="4583642" cy="461665"/>
+          </a:xfrm>
+          <a:prstGeom prst="rect">
+            <a:avLst/>
+          </a:prstGeom>
+          <a:noFill/>
+        </p:spPr>
+        <p:txBody>
+          <a:bodyPr wrap="square" rtlCol="0">
+            <a:spAutoFit/>
+          </a:bodyPr>
+          <a:lstStyle/>
+          <a:p>
+            <a:r>
+              <a:rPr lang="en-US" altLang="ko-KR" sz="2400" b="1" dirty="0">
+                <a:latin typeface="NanumSquare_ac Bold" panose="020B0600000101010101" pitchFamily="34" charset="-127"/>
+                <a:ea typeface="NanumSquare_ac Bold" panose="020B0600000101010101" pitchFamily="34" charset="-127"/>
+              </a:rPr>
+              <a:t>BMW </a:t>
+            </a:r>
+            <a:r>
+              <a:rPr lang="ko-KR" altLang="en-US" sz="2400" b="1" dirty="0">
+                <a:latin typeface="NanumSquare_ac Bold" panose="020B0600000101010101" pitchFamily="34" charset="-127"/>
+                <a:ea typeface="NanumSquare_ac Bold" panose="020B0600000101010101" pitchFamily="34" charset="-127"/>
+              </a:rPr>
+              <a:t>운영 시 </a:t>
+            </a:r>
+            <a:r>
+              <a:rPr lang="en-US" altLang="ko-KR" sz="2400" b="1" dirty="0">
+                <a:latin typeface="NanumSquare_ac Bold" panose="020B0600000101010101" pitchFamily="34" charset="-127"/>
+                <a:ea typeface="NanumSquare_ac Bold" panose="020B0600000101010101" pitchFamily="34" charset="-127"/>
+              </a:rPr>
+              <a:t>SW</a:t>
+            </a:r>
+            <a:r>
+              <a:rPr lang="ko-KR" altLang="en-US" sz="2400" b="1" dirty="0">
+                <a:latin typeface="NanumSquare_ac Bold" panose="020B0600000101010101" pitchFamily="34" charset="-127"/>
+                <a:ea typeface="NanumSquare_ac Bold" panose="020B0600000101010101" pitchFamily="34" charset="-127"/>
+              </a:rPr>
+              <a:t>적 불만 접수</a:t>
+            </a:r>
+            <a:r>
+              <a:rPr lang="en-US" altLang="ko-KR" sz="2400" b="1" dirty="0">
+                <a:latin typeface="NanumSquare_ac Bold" panose="020B0600000101010101" pitchFamily="34" charset="-127"/>
+                <a:ea typeface="NanumSquare_ac Bold" panose="020B0600000101010101" pitchFamily="34" charset="-127"/>
+              </a:rPr>
+              <a:t> </a:t>
+            </a:r>
+            <a:r>
+              <a:rPr lang="ko-KR" altLang="en-US" sz="2400" b="1" dirty="0">
+                <a:latin typeface="NanumSquare_ac Bold" panose="020B0600000101010101" pitchFamily="34" charset="-127"/>
+                <a:ea typeface="NanumSquare_ac Bold" panose="020B0600000101010101" pitchFamily="34" charset="-127"/>
+              </a:rPr>
+              <a:t>진행 </a:t>
+            </a:r>
+            <a:endParaRPr lang="ko-KR" altLang="en-US" sz="2000" b="1" dirty="0">
+              <a:latin typeface="NanumSquare_ac Bold" panose="020B0600000101010101" pitchFamily="34" charset="-127"/>
+              <a:ea typeface="NanumSquare_ac Bold" panose="020B0600000101010101" pitchFamily="34" charset="-127"/>
+            </a:endParaRPr>
+          </a:p>
+        </p:txBody>
+      </p:sp>
+      <p:sp>
+        <p:nvSpPr>
+          <p:cNvPr id="4" name="TextBox 3">
+            <a:extLst>
+              <a:ext uri="{FF2B5EF4-FFF2-40B4-BE49-F238E27FC236}">
+                <a16:creationId xmlns:a16="http://schemas.microsoft.com/office/drawing/2014/main" id="{58CA89BD-78BC-06FF-6A17-8E2AC3A313BF}"/>
+              </a:ext>
+            </a:extLst>
+          </p:cNvPr>
+          <p:cNvSpPr txBox="1"/>
+          <p:nvPr/>
+        </p:nvSpPr>
+        <p:spPr>
+          <a:xfrm>
+            <a:off x="2323147" y="1618083"/>
+            <a:ext cx="1714750" cy="769441"/>
+          </a:xfrm>
+          <a:prstGeom prst="rect">
+            <a:avLst/>
+          </a:prstGeom>
+          <a:noFill/>
+        </p:spPr>
+        <p:txBody>
+          <a:bodyPr wrap="square" rtlCol="0">
+            <a:spAutoFit/>
+          </a:bodyPr>
+          <a:lstStyle/>
+          <a:p>
+            <a:r>
+              <a:rPr lang="en-US" altLang="ko-KR" sz="4400" dirty="0">
+                <a:latin typeface="나눔스퀘어_ac ExtraBold" panose="020B0600000101010101" pitchFamily="50" charset="-127"/>
+                <a:ea typeface="나눔스퀘어_ac ExtraBold" panose="020B0600000101010101" pitchFamily="50" charset="-127"/>
+              </a:rPr>
+              <a:t>SPOC</a:t>
+            </a:r>
+            <a:endParaRPr lang="ko-KR" altLang="en-US" sz="4400" dirty="0">
+              <a:latin typeface="나눔스퀘어_ac ExtraBold" panose="020B0600000101010101" pitchFamily="50" charset="-127"/>
+              <a:ea typeface="나눔스퀘어_ac ExtraBold" panose="020B0600000101010101" pitchFamily="50" charset="-127"/>
+            </a:endParaRPr>
+          </a:p>
+        </p:txBody>
+      </p:sp>
+    </p:spTree>
+    <p:extLst>
+      <p:ext uri="{BB962C8B-B14F-4D97-AF65-F5344CB8AC3E}">
+        <p14:creationId xmlns:p14="http://schemas.microsoft.com/office/powerpoint/2010/main" val="285947962"/>
+      </p:ext>
+    </p:extLst>
+  </p:cSld>
+  <p:clrMapOvr>
+    <a:masterClrMapping/>
+  </p:clrMapOvr>
+</p:sld>
+</file>
+
+<file path=ppt/slides/slide5.xml><?xml version="1.0" encoding="utf-8"?>
+<p:sld xmlns:a="http://schemas.openxmlformats.org/drawingml/2006/main" xmlns:r="http://schemas.openxmlformats.org/officeDocument/2006/relationships" xmlns:p="http://schemas.openxmlformats.org/presentationml/2006/main">
+  <p:cSld>
+    <p:spTree>
+      <p:nvGrpSpPr>
+        <p:cNvPr id="1" name=""/>
+        <p:cNvGrpSpPr/>
+        <p:nvPr/>
+      </p:nvGrpSpPr>
+      <p:grpSpPr>
+        <a:xfrm>
+          <a:off x="0" y="0"/>
+          <a:ext cx="0" cy="0"/>
+          <a:chOff x="0" y="0"/>
+          <a:chExt cx="0" cy="0"/>
+        </a:xfrm>
+      </p:grpSpPr>
+      <p:sp>
+        <p:nvSpPr>
+          <p:cNvPr id="2" name="TextBox 1">
+            <a:extLst>
+              <a:ext uri="{FF2B5EF4-FFF2-40B4-BE49-F238E27FC236}">
+                <a16:creationId xmlns:a16="http://schemas.microsoft.com/office/drawing/2014/main" id="{4F4AE9FB-2A19-4A78-A593-487CF7F64C0C}"/>
+              </a:ext>
+            </a:extLst>
+          </p:cNvPr>
+          <p:cNvSpPr txBox="1"/>
+          <p:nvPr/>
+        </p:nvSpPr>
+        <p:spPr>
+          <a:xfrm>
+            <a:off x="176168" y="218114"/>
+            <a:ext cx="2751590" cy="615553"/>
+          </a:xfrm>
+          <a:prstGeom prst="rect">
+            <a:avLst/>
+          </a:prstGeom>
+          <a:noFill/>
+        </p:spPr>
+        <p:txBody>
+          <a:bodyPr wrap="square" rtlCol="0">
+            <a:spAutoFit/>
+          </a:bodyPr>
+          <a:lstStyle/>
+          <a:p>
+            <a:r>
+              <a:rPr lang="en-US" altLang="ko-KR" dirty="0">
+                <a:latin typeface="나눔스퀘어_ac" panose="020B0600000101010101" pitchFamily="50" charset="-127"/>
+                <a:ea typeface="나눔스퀘어_ac" panose="020B0600000101010101" pitchFamily="50" charset="-127"/>
+              </a:rPr>
+              <a:t>01. WICS </a:t>
+            </a:r>
+            <a:r>
+              <a:rPr lang="ko-KR" altLang="en-US" dirty="0">
+                <a:latin typeface="나눔스퀘어_ac" panose="020B0600000101010101" pitchFamily="50" charset="-127"/>
+                <a:ea typeface="나눔스퀘어_ac" panose="020B0600000101010101" pitchFamily="50" charset="-127"/>
+              </a:rPr>
+              <a:t>프로젝트</a:t>
+            </a:r>
+            <a:endParaRPr lang="en-US" altLang="ko-KR" sz="1600" dirty="0">
+              <a:latin typeface="나눔스퀘어_ac" panose="020B0600000101010101" pitchFamily="50" charset="-127"/>
+              <a:ea typeface="나눔스퀘어_ac" panose="020B0600000101010101" pitchFamily="50" charset="-127"/>
+            </a:endParaRPr>
+          </a:p>
+          <a:p>
+            <a:r>
+              <a:rPr lang="en-US" altLang="ko-KR" sz="1600" dirty="0">
+                <a:latin typeface="나눔스퀘어_ac" panose="020B0600000101010101" pitchFamily="50" charset="-127"/>
+                <a:ea typeface="나눔스퀘어_ac" panose="020B0600000101010101" pitchFamily="50" charset="-127"/>
+              </a:rPr>
+              <a:t>      : </a:t>
+            </a:r>
+            <a:r>
+              <a:rPr lang="ko-KR" altLang="en-US" sz="1600" dirty="0">
+                <a:latin typeface="나눔스퀘어_ac" panose="020B0600000101010101" pitchFamily="50" charset="-127"/>
+                <a:ea typeface="나눔스퀘어_ac" panose="020B0600000101010101" pitchFamily="50" charset="-127"/>
+              </a:rPr>
+              <a:t>프로젝트 개요</a:t>
+            </a:r>
+          </a:p>
+        </p:txBody>
+      </p:sp>
+      <p:sp>
+        <p:nvSpPr>
+          <p:cNvPr id="5" name="TextBox 4">
+            <a:extLst>
+              <a:ext uri="{FF2B5EF4-FFF2-40B4-BE49-F238E27FC236}">
+                <a16:creationId xmlns:a16="http://schemas.microsoft.com/office/drawing/2014/main" id="{F9CDCB2F-4A3F-476B-9F89-4F9C3D4F55B2}"/>
+              </a:ext>
+            </a:extLst>
+          </p:cNvPr>
+          <p:cNvSpPr txBox="1"/>
+          <p:nvPr/>
+        </p:nvSpPr>
+        <p:spPr>
+          <a:xfrm>
+            <a:off x="5143849" y="189983"/>
+            <a:ext cx="1635854" cy="769441"/>
+          </a:xfrm>
+          <a:prstGeom prst="rect">
+            <a:avLst/>
+          </a:prstGeom>
+          <a:noFill/>
+        </p:spPr>
+        <p:txBody>
+          <a:bodyPr wrap="square" rtlCol="0">
+            <a:spAutoFit/>
+          </a:bodyPr>
+          <a:lstStyle/>
+          <a:p>
+            <a:r>
+              <a:rPr lang="en-US" altLang="ko-KR" sz="4400" dirty="0">
+                <a:latin typeface="나눔스퀘어_ac ExtraBold" panose="020B0600000101010101" pitchFamily="50" charset="-127"/>
+                <a:ea typeface="나눔스퀘어_ac ExtraBold" panose="020B0600000101010101" pitchFamily="50" charset="-127"/>
+              </a:rPr>
+              <a:t>WICS</a:t>
+            </a:r>
+            <a:endParaRPr lang="ko-KR" altLang="en-US" sz="4400" dirty="0">
+              <a:latin typeface="나눔스퀘어_ac ExtraBold" panose="020B0600000101010101" pitchFamily="50" charset="-127"/>
+              <a:ea typeface="나눔스퀘어_ac ExtraBold" panose="020B0600000101010101" pitchFamily="50" charset="-127"/>
+            </a:endParaRPr>
+          </a:p>
+        </p:txBody>
+      </p:sp>
+      <p:pic>
+        <p:nvPicPr>
+          <p:cNvPr id="6" name="그림 5">
+            <a:extLst>
+              <a:ext uri="{FF2B5EF4-FFF2-40B4-BE49-F238E27FC236}">
+                <a16:creationId xmlns:a16="http://schemas.microsoft.com/office/drawing/2014/main" id="{5B421084-F80B-40B9-99F0-8BBEEE8B37BB}"/>
+              </a:ext>
+            </a:extLst>
+          </p:cNvPr>
+          <p:cNvPicPr>
+            <a:picLocks noChangeAspect="1"/>
+          </p:cNvPicPr>
+          <p:nvPr/>
+        </p:nvPicPr>
+        <p:blipFill rotWithShape="1">
+          <a:blip r:embed="rId2"/>
+          <a:srcRect l="5427" t="9472" r="8646"/>
+          <a:stretch/>
+        </p:blipFill>
+        <p:spPr>
+          <a:xfrm>
+            <a:off x="476663" y="2118872"/>
+            <a:ext cx="4909930" cy="3505351"/>
+          </a:xfrm>
+          <a:prstGeom prst="rect">
+            <a:avLst/>
+          </a:prstGeom>
+        </p:spPr>
+      </p:pic>
+      <p:sp>
+        <p:nvSpPr>
+          <p:cNvPr id="7" name="TextBox 6">
+            <a:extLst>
+              <a:ext uri="{FF2B5EF4-FFF2-40B4-BE49-F238E27FC236}">
+                <a16:creationId xmlns:a16="http://schemas.microsoft.com/office/drawing/2014/main" id="{F50C8588-D37F-41C9-9B47-1FB9B70ECBDA}"/>
+              </a:ext>
+            </a:extLst>
+          </p:cNvPr>
+          <p:cNvSpPr txBox="1"/>
+          <p:nvPr/>
+        </p:nvSpPr>
+        <p:spPr>
+          <a:xfrm>
+            <a:off x="4173523" y="833667"/>
+            <a:ext cx="3576506" cy="369332"/>
+          </a:xfrm>
+          <a:prstGeom prst="rect">
+            <a:avLst/>
+          </a:prstGeom>
+          <a:noFill/>
+        </p:spPr>
+        <p:txBody>
+          <a:bodyPr wrap="square" rtlCol="0">
+            <a:spAutoFit/>
+          </a:bodyPr>
+          <a:lstStyle/>
+          <a:p>
+            <a:r>
+              <a:rPr lang="en-US" altLang="ko-KR" dirty="0" err="1">
+                <a:latin typeface="나눔스퀘어_ac Bold" panose="020B0600000101010101" pitchFamily="50" charset="-127"/>
+                <a:ea typeface="나눔스퀘어_ac Bold" panose="020B0600000101010101" pitchFamily="50" charset="-127"/>
+              </a:rPr>
+              <a:t>Woongjin</a:t>
+            </a:r>
+            <a:r>
+              <a:rPr lang="en-US" altLang="ko-KR" dirty="0">
+                <a:latin typeface="나눔스퀘어_ac Bold" panose="020B0600000101010101" pitchFamily="50" charset="-127"/>
+                <a:ea typeface="나눔스퀘어_ac Bold" panose="020B0600000101010101" pitchFamily="50" charset="-127"/>
+              </a:rPr>
+              <a:t> Issue Control System </a:t>
+            </a:r>
+            <a:endParaRPr lang="ko-KR" altLang="en-US" dirty="0">
+              <a:latin typeface="나눔스퀘어_ac Bold" panose="020B0600000101010101" pitchFamily="50" charset="-127"/>
+              <a:ea typeface="나눔스퀘어_ac Bold" panose="020B0600000101010101" pitchFamily="50" charset="-127"/>
+            </a:endParaRPr>
+          </a:p>
+        </p:txBody>
+      </p:sp>
+      <p:sp>
+        <p:nvSpPr>
+          <p:cNvPr id="10" name="TextBox 9">
+            <a:extLst>
+              <a:ext uri="{FF2B5EF4-FFF2-40B4-BE49-F238E27FC236}">
+                <a16:creationId xmlns:a16="http://schemas.microsoft.com/office/drawing/2014/main" id="{1CFCD46E-889B-4E20-8F5D-E692F2B5BBF7}"/>
+              </a:ext>
+            </a:extLst>
+          </p:cNvPr>
+          <p:cNvSpPr txBox="1"/>
+          <p:nvPr/>
+        </p:nvSpPr>
+        <p:spPr>
+          <a:xfrm>
+            <a:off x="952434" y="5624223"/>
+            <a:ext cx="3942521" cy="400110"/>
+          </a:xfrm>
+          <a:prstGeom prst="rect">
+            <a:avLst/>
+          </a:prstGeom>
+          <a:noFill/>
+        </p:spPr>
+        <p:txBody>
+          <a:bodyPr wrap="square" rtlCol="0">
+            <a:spAutoFit/>
+          </a:bodyPr>
+          <a:lstStyle/>
+          <a:p>
+            <a:r>
+              <a:rPr lang="en-US" altLang="ko-KR" sz="2000" b="1" dirty="0">
+                <a:latin typeface="NanumSquare_ac Bold" panose="020B0600000101010101" pitchFamily="34" charset="-127"/>
+                <a:ea typeface="NanumSquare_ac Bold" panose="020B0600000101010101" pitchFamily="34" charset="-127"/>
+              </a:rPr>
+              <a:t>BMW </a:t>
+            </a:r>
+            <a:r>
+              <a:rPr lang="ko-KR" altLang="en-US" sz="2000" b="1" dirty="0">
+                <a:latin typeface="NanumSquare_ac Bold" panose="020B0600000101010101" pitchFamily="34" charset="-127"/>
+                <a:ea typeface="NanumSquare_ac Bold" panose="020B0600000101010101" pitchFamily="34" charset="-127"/>
+              </a:rPr>
+              <a:t>운영 시 </a:t>
+            </a:r>
+            <a:r>
+              <a:rPr lang="en-US" altLang="ko-KR" sz="2000" b="1" dirty="0">
+                <a:latin typeface="NanumSquare_ac Bold" panose="020B0600000101010101" pitchFamily="34" charset="-127"/>
+                <a:ea typeface="NanumSquare_ac Bold" panose="020B0600000101010101" pitchFamily="34" charset="-127"/>
+              </a:rPr>
+              <a:t>SW</a:t>
+            </a:r>
+            <a:r>
+              <a:rPr lang="ko-KR" altLang="en-US" sz="2000" b="1" dirty="0">
+                <a:latin typeface="NanumSquare_ac Bold" panose="020B0600000101010101" pitchFamily="34" charset="-127"/>
+                <a:ea typeface="NanumSquare_ac Bold" panose="020B0600000101010101" pitchFamily="34" charset="-127"/>
+              </a:rPr>
+              <a:t>적 불만 접수</a:t>
+            </a:r>
+            <a:r>
+              <a:rPr lang="en-US" altLang="ko-KR" sz="2000" b="1" dirty="0">
+                <a:latin typeface="NanumSquare_ac Bold" panose="020B0600000101010101" pitchFamily="34" charset="-127"/>
+                <a:ea typeface="NanumSquare_ac Bold" panose="020B0600000101010101" pitchFamily="34" charset="-127"/>
+              </a:rPr>
+              <a:t> </a:t>
+            </a:r>
+            <a:r>
+              <a:rPr lang="ko-KR" altLang="en-US" sz="2000" b="1" dirty="0">
+                <a:latin typeface="NanumSquare_ac Bold" panose="020B0600000101010101" pitchFamily="34" charset="-127"/>
+                <a:ea typeface="NanumSquare_ac Bold" panose="020B0600000101010101" pitchFamily="34" charset="-127"/>
+              </a:rPr>
+              <a:t>진행 </a:t>
+            </a:r>
+            <a:endParaRPr lang="ko-KR" altLang="en-US" b="1" dirty="0">
+              <a:latin typeface="NanumSquare_ac Bold" panose="020B0600000101010101" pitchFamily="34" charset="-127"/>
+              <a:ea typeface="NanumSquare_ac Bold" panose="020B0600000101010101" pitchFamily="34" charset="-127"/>
+            </a:endParaRPr>
+          </a:p>
+        </p:txBody>
+      </p:sp>
+      <p:sp>
+        <p:nvSpPr>
+          <p:cNvPr id="4" name="TextBox 3">
+            <a:extLst>
+              <a:ext uri="{FF2B5EF4-FFF2-40B4-BE49-F238E27FC236}">
+                <a16:creationId xmlns:a16="http://schemas.microsoft.com/office/drawing/2014/main" id="{58CA89BD-78BC-06FF-6A17-8E2AC3A313BF}"/>
+              </a:ext>
+            </a:extLst>
+          </p:cNvPr>
+          <p:cNvSpPr txBox="1"/>
+          <p:nvPr/>
+        </p:nvSpPr>
+        <p:spPr>
+          <a:xfrm>
+            <a:off x="2074253" y="1349431"/>
+            <a:ext cx="1714750" cy="769441"/>
+          </a:xfrm>
+          <a:prstGeom prst="rect">
+            <a:avLst/>
+          </a:prstGeom>
+          <a:noFill/>
+        </p:spPr>
+        <p:txBody>
+          <a:bodyPr wrap="square" rtlCol="0">
+            <a:spAutoFit/>
+          </a:bodyPr>
+          <a:lstStyle/>
+          <a:p>
+            <a:r>
+              <a:rPr lang="en-US" altLang="ko-KR" sz="4400" dirty="0">
+                <a:latin typeface="나눔스퀘어_ac ExtraBold" panose="020B0600000101010101" pitchFamily="50" charset="-127"/>
+                <a:ea typeface="나눔스퀘어_ac ExtraBold" panose="020B0600000101010101" pitchFamily="50" charset="-127"/>
+              </a:rPr>
+              <a:t>SPOC</a:t>
+            </a:r>
+            <a:endParaRPr lang="ko-KR" altLang="en-US" sz="4400" dirty="0">
+              <a:latin typeface="나눔스퀘어_ac ExtraBold" panose="020B0600000101010101" pitchFamily="50" charset="-127"/>
+              <a:ea typeface="나눔스퀘어_ac ExtraBold" panose="020B0600000101010101" pitchFamily="50" charset="-127"/>
+            </a:endParaRPr>
+          </a:p>
+        </p:txBody>
+      </p:sp>
+      <p:pic>
+        <p:nvPicPr>
+          <p:cNvPr id="3" name="그림 2">
+            <a:extLst>
+              <a:ext uri="{FF2B5EF4-FFF2-40B4-BE49-F238E27FC236}">
+                <a16:creationId xmlns:a16="http://schemas.microsoft.com/office/drawing/2014/main" id="{F0C091EA-BF1B-D388-C7ED-5CCAFE80AEB7}"/>
+              </a:ext>
+            </a:extLst>
+          </p:cNvPr>
+          <p:cNvPicPr>
+            <a:picLocks noChangeAspect="1"/>
+          </p:cNvPicPr>
+          <p:nvPr/>
+        </p:nvPicPr>
+        <p:blipFill>
+          <a:blip r:embed="rId3"/>
+          <a:stretch>
+            <a:fillRect/>
+          </a:stretch>
+        </p:blipFill>
+        <p:spPr>
+          <a:xfrm>
+            <a:off x="6860757" y="2173958"/>
+            <a:ext cx="4764713" cy="3450265"/>
+          </a:xfrm>
+          <a:prstGeom prst="rect">
+            <a:avLst/>
+          </a:prstGeom>
+        </p:spPr>
+      </p:pic>
+      <p:sp>
+        <p:nvSpPr>
+          <p:cNvPr id="8" name="TextBox 7">
+            <a:extLst>
+              <a:ext uri="{FF2B5EF4-FFF2-40B4-BE49-F238E27FC236}">
+                <a16:creationId xmlns:a16="http://schemas.microsoft.com/office/drawing/2014/main" id="{D8437872-90E0-5B66-F704-3A942A0C0A21}"/>
+              </a:ext>
+            </a:extLst>
+          </p:cNvPr>
+          <p:cNvSpPr txBox="1"/>
+          <p:nvPr/>
+        </p:nvSpPr>
+        <p:spPr>
+          <a:xfrm>
+            <a:off x="8481893" y="1330878"/>
+            <a:ext cx="1635854" cy="769441"/>
+          </a:xfrm>
+          <a:prstGeom prst="rect">
+            <a:avLst/>
+          </a:prstGeom>
+          <a:noFill/>
+        </p:spPr>
+        <p:txBody>
+          <a:bodyPr wrap="square" rtlCol="0">
+            <a:spAutoFit/>
+          </a:bodyPr>
+          <a:lstStyle/>
+          <a:p>
+            <a:r>
+              <a:rPr lang="en-US" altLang="ko-KR" sz="4400" dirty="0">
+                <a:latin typeface="나눔스퀘어_ac ExtraBold" panose="020B0600000101010101" pitchFamily="50" charset="-127"/>
+                <a:ea typeface="나눔스퀘어_ac ExtraBold" panose="020B0600000101010101" pitchFamily="50" charset="-127"/>
+              </a:rPr>
+              <a:t>WICS</a:t>
+            </a:r>
+            <a:endParaRPr lang="ko-KR" altLang="en-US" sz="4400" dirty="0">
+              <a:latin typeface="나눔스퀘어_ac ExtraBold" panose="020B0600000101010101" pitchFamily="50" charset="-127"/>
+              <a:ea typeface="나눔스퀘어_ac ExtraBold" panose="020B0600000101010101" pitchFamily="50" charset="-127"/>
+            </a:endParaRPr>
+          </a:p>
+        </p:txBody>
+      </p:sp>
+    </p:spTree>
+    <p:extLst>
+      <p:ext uri="{BB962C8B-B14F-4D97-AF65-F5344CB8AC3E}">
+        <p14:creationId xmlns:p14="http://schemas.microsoft.com/office/powerpoint/2010/main" val="2664611773"/>
+      </p:ext>
+    </p:extLst>
+  </p:cSld>
+  <p:clrMapOvr>
+    <a:masterClrMapping/>
+  </p:clrMapOvr>
+</p:sld>
+</file>
+
+<file path=ppt/slides/slide6.xml><?xml version="1.0" encoding="utf-8"?>
+<p:sld xmlns:a="http://schemas.openxmlformats.org/drawingml/2006/main" xmlns:r="http://schemas.openxmlformats.org/officeDocument/2006/relationships" xmlns:p="http://schemas.openxmlformats.org/presentationml/2006/main">
+  <p:cSld>
+    <p:spTree>
+      <p:nvGrpSpPr>
+        <p:cNvPr id="1" name=""/>
+        <p:cNvGrpSpPr/>
+        <p:nvPr/>
+      </p:nvGrpSpPr>
+      <p:grpSpPr>
+        <a:xfrm>
+          <a:off x="0" y="0"/>
+          <a:ext cx="0" cy="0"/>
+          <a:chOff x="0" y="0"/>
+          <a:chExt cx="0" cy="0"/>
+        </a:xfrm>
+      </p:grpSpPr>
+      <p:sp>
+        <p:nvSpPr>
+          <p:cNvPr id="2" name="TextBox 1">
+            <a:extLst>
+              <a:ext uri="{FF2B5EF4-FFF2-40B4-BE49-F238E27FC236}">
+                <a16:creationId xmlns:a16="http://schemas.microsoft.com/office/drawing/2014/main" id="{4F4AE9FB-2A19-4A78-A593-487CF7F64C0C}"/>
+              </a:ext>
+            </a:extLst>
+          </p:cNvPr>
+          <p:cNvSpPr txBox="1"/>
+          <p:nvPr/>
+        </p:nvSpPr>
+        <p:spPr>
+          <a:xfrm>
+            <a:off x="176168" y="218114"/>
+            <a:ext cx="2751590" cy="615553"/>
+          </a:xfrm>
+          <a:prstGeom prst="rect">
+            <a:avLst/>
+          </a:prstGeom>
+          <a:noFill/>
+        </p:spPr>
+        <p:txBody>
+          <a:bodyPr wrap="square" rtlCol="0">
+            <a:spAutoFit/>
+          </a:bodyPr>
+          <a:lstStyle/>
+          <a:p>
+            <a:r>
+              <a:rPr lang="en-US" altLang="ko-KR" dirty="0">
+                <a:latin typeface="나눔스퀘어_ac" panose="020B0600000101010101" pitchFamily="50" charset="-127"/>
+                <a:ea typeface="나눔스퀘어_ac" panose="020B0600000101010101" pitchFamily="50" charset="-127"/>
+              </a:rPr>
+              <a:t>01. WICS </a:t>
+            </a:r>
+            <a:r>
+              <a:rPr lang="ko-KR" altLang="en-US" dirty="0">
+                <a:latin typeface="나눔스퀘어_ac" panose="020B0600000101010101" pitchFamily="50" charset="-127"/>
+                <a:ea typeface="나눔스퀘어_ac" panose="020B0600000101010101" pitchFamily="50" charset="-127"/>
+              </a:rPr>
+              <a:t>프로젝트</a:t>
+            </a:r>
+            <a:endParaRPr lang="en-US" altLang="ko-KR" sz="1600" dirty="0">
+              <a:latin typeface="나눔스퀘어_ac" panose="020B0600000101010101" pitchFamily="50" charset="-127"/>
+              <a:ea typeface="나눔스퀘어_ac" panose="020B0600000101010101" pitchFamily="50" charset="-127"/>
+            </a:endParaRPr>
+          </a:p>
+          <a:p>
+            <a:r>
+              <a:rPr lang="en-US" altLang="ko-KR" sz="1600" dirty="0">
+                <a:latin typeface="나눔스퀘어_ac" panose="020B0600000101010101" pitchFamily="50" charset="-127"/>
+                <a:ea typeface="나눔스퀘어_ac" panose="020B0600000101010101" pitchFamily="50" charset="-127"/>
+              </a:rPr>
+              <a:t>      : </a:t>
+            </a:r>
+            <a:r>
+              <a:rPr lang="ko-KR" altLang="en-US" sz="1600" dirty="0">
+                <a:latin typeface="나눔스퀘어_ac" panose="020B0600000101010101" pitchFamily="50" charset="-127"/>
+                <a:ea typeface="나눔스퀘어_ac" panose="020B0600000101010101" pitchFamily="50" charset="-127"/>
+              </a:rPr>
+              <a:t>프로젝트 개요</a:t>
+            </a:r>
+          </a:p>
+        </p:txBody>
+      </p:sp>
+      <p:sp>
+        <p:nvSpPr>
+          <p:cNvPr id="5" name="TextBox 4">
+            <a:extLst>
+              <a:ext uri="{FF2B5EF4-FFF2-40B4-BE49-F238E27FC236}">
+                <a16:creationId xmlns:a16="http://schemas.microsoft.com/office/drawing/2014/main" id="{F9CDCB2F-4A3F-476B-9F89-4F9C3D4F55B2}"/>
+              </a:ext>
+            </a:extLst>
+          </p:cNvPr>
+          <p:cNvSpPr txBox="1"/>
+          <p:nvPr/>
+        </p:nvSpPr>
+        <p:spPr>
+          <a:xfrm>
+            <a:off x="5143849" y="189983"/>
+            <a:ext cx="1635854" cy="769441"/>
+          </a:xfrm>
+          <a:prstGeom prst="rect">
+            <a:avLst/>
+          </a:prstGeom>
+          <a:noFill/>
+        </p:spPr>
+        <p:txBody>
+          <a:bodyPr wrap="square" rtlCol="0">
+            <a:spAutoFit/>
+          </a:bodyPr>
+          <a:lstStyle/>
+          <a:p>
+            <a:r>
+              <a:rPr lang="en-US" altLang="ko-KR" sz="4400" dirty="0">
+                <a:latin typeface="나눔스퀘어_ac ExtraBold" panose="020B0600000101010101" pitchFamily="50" charset="-127"/>
+                <a:ea typeface="나눔스퀘어_ac ExtraBold" panose="020B0600000101010101" pitchFamily="50" charset="-127"/>
+              </a:rPr>
+              <a:t>WICS</a:t>
+            </a:r>
+            <a:endParaRPr lang="ko-KR" altLang="en-US" sz="4400" dirty="0">
+              <a:latin typeface="나눔스퀘어_ac ExtraBold" panose="020B0600000101010101" pitchFamily="50" charset="-127"/>
+              <a:ea typeface="나눔스퀘어_ac ExtraBold" panose="020B0600000101010101" pitchFamily="50" charset="-127"/>
+            </a:endParaRPr>
+          </a:p>
+        </p:txBody>
+      </p:sp>
+      <p:sp>
+        <p:nvSpPr>
+          <p:cNvPr id="7" name="TextBox 6">
+            <a:extLst>
+              <a:ext uri="{FF2B5EF4-FFF2-40B4-BE49-F238E27FC236}">
+                <a16:creationId xmlns:a16="http://schemas.microsoft.com/office/drawing/2014/main" id="{F50C8588-D37F-41C9-9B47-1FB9B70ECBDA}"/>
+              </a:ext>
+            </a:extLst>
+          </p:cNvPr>
+          <p:cNvSpPr txBox="1"/>
+          <p:nvPr/>
+        </p:nvSpPr>
+        <p:spPr>
+          <a:xfrm>
+            <a:off x="4173523" y="833667"/>
+            <a:ext cx="3576506" cy="369332"/>
+          </a:xfrm>
+          <a:prstGeom prst="rect">
+            <a:avLst/>
+          </a:prstGeom>
+          <a:noFill/>
+        </p:spPr>
+        <p:txBody>
+          <a:bodyPr wrap="square" rtlCol="0">
+            <a:spAutoFit/>
+          </a:bodyPr>
+          <a:lstStyle/>
+          <a:p>
+            <a:r>
+              <a:rPr lang="en-US" altLang="ko-KR" dirty="0" err="1">
+                <a:latin typeface="나눔스퀘어_ac Bold" panose="020B0600000101010101" pitchFamily="50" charset="-127"/>
+                <a:ea typeface="나눔스퀘어_ac Bold" panose="020B0600000101010101" pitchFamily="50" charset="-127"/>
+              </a:rPr>
+              <a:t>Woongjin</a:t>
+            </a:r>
+            <a:r>
+              <a:rPr lang="en-US" altLang="ko-KR" dirty="0">
+                <a:latin typeface="나눔스퀘어_ac Bold" panose="020B0600000101010101" pitchFamily="50" charset="-127"/>
+                <a:ea typeface="나눔스퀘어_ac Bold" panose="020B0600000101010101" pitchFamily="50" charset="-127"/>
+              </a:rPr>
+              <a:t> Issue Control System </a:t>
+            </a:r>
+            <a:endParaRPr lang="ko-KR" altLang="en-US" dirty="0">
+              <a:latin typeface="나눔스퀘어_ac Bold" panose="020B0600000101010101" pitchFamily="50" charset="-127"/>
+              <a:ea typeface="나눔스퀘어_ac Bold" panose="020B0600000101010101" pitchFamily="50" charset="-127"/>
+            </a:endParaRPr>
+          </a:p>
+        </p:txBody>
+      </p:sp>
+      <p:sp>
+        <p:nvSpPr>
+          <p:cNvPr id="4" name="TextBox 3">
+            <a:extLst>
+              <a:ext uri="{FF2B5EF4-FFF2-40B4-BE49-F238E27FC236}">
+                <a16:creationId xmlns:a16="http://schemas.microsoft.com/office/drawing/2014/main" id="{58CA89BD-78BC-06FF-6A17-8E2AC3A313BF}"/>
+              </a:ext>
+            </a:extLst>
+          </p:cNvPr>
+          <p:cNvSpPr txBox="1"/>
+          <p:nvPr/>
+        </p:nvSpPr>
+        <p:spPr>
+          <a:xfrm>
+            <a:off x="2323147" y="1618083"/>
+            <a:ext cx="1714750" cy="769441"/>
+          </a:xfrm>
+          <a:prstGeom prst="rect">
+            <a:avLst/>
+          </a:prstGeom>
+          <a:noFill/>
+        </p:spPr>
+        <p:txBody>
+          <a:bodyPr wrap="square" rtlCol="0">
+            <a:spAutoFit/>
+          </a:bodyPr>
+          <a:lstStyle/>
+          <a:p>
+            <a:r>
+              <a:rPr lang="en-US" altLang="ko-KR" sz="4400" dirty="0">
+                <a:latin typeface="나눔스퀘어_ac ExtraBold" panose="020B0600000101010101" pitchFamily="50" charset="-127"/>
+                <a:ea typeface="나눔스퀘어_ac ExtraBold" panose="020B0600000101010101" pitchFamily="50" charset="-127"/>
+              </a:rPr>
+              <a:t>WICS</a:t>
+            </a:r>
+            <a:endParaRPr lang="ko-KR" altLang="en-US" sz="4400" dirty="0">
+              <a:latin typeface="나눔스퀘어_ac ExtraBold" panose="020B0600000101010101" pitchFamily="50" charset="-127"/>
+              <a:ea typeface="나눔스퀘어_ac ExtraBold" panose="020B0600000101010101" pitchFamily="50" charset="-127"/>
+            </a:endParaRPr>
+          </a:p>
+        </p:txBody>
+      </p:sp>
+      <p:pic>
+        <p:nvPicPr>
+          <p:cNvPr id="3" name="그림 2">
+            <a:extLst>
+              <a:ext uri="{FF2B5EF4-FFF2-40B4-BE49-F238E27FC236}">
+                <a16:creationId xmlns:a16="http://schemas.microsoft.com/office/drawing/2014/main" id="{4962CA8E-91D2-1B26-C505-B61A3C5973FD}"/>
+              </a:ext>
+            </a:extLst>
+          </p:cNvPr>
+          <p:cNvPicPr>
+            <a:picLocks noChangeAspect="1"/>
+          </p:cNvPicPr>
+          <p:nvPr/>
+        </p:nvPicPr>
+        <p:blipFill>
+          <a:blip r:embed="rId2"/>
+          <a:stretch>
+            <a:fillRect/>
+          </a:stretch>
+        </p:blipFill>
+        <p:spPr>
+          <a:xfrm>
+            <a:off x="798165" y="2387524"/>
+            <a:ext cx="4764713" cy="3450265"/>
+          </a:xfrm>
+          <a:prstGeom prst="rect">
+            <a:avLst/>
+          </a:prstGeom>
+        </p:spPr>
+      </p:pic>
+      <p:sp>
+        <p:nvSpPr>
+          <p:cNvPr id="8" name="TextBox 7">
+            <a:extLst>
+              <a:ext uri="{FF2B5EF4-FFF2-40B4-BE49-F238E27FC236}">
+                <a16:creationId xmlns:a16="http://schemas.microsoft.com/office/drawing/2014/main" id="{9E1AEA3C-1909-A1ED-0D02-CEC381F8998C}"/>
+              </a:ext>
+            </a:extLst>
+          </p:cNvPr>
+          <p:cNvSpPr txBox="1"/>
+          <p:nvPr/>
+        </p:nvSpPr>
+        <p:spPr>
+          <a:xfrm>
+            <a:off x="7648175" y="2623976"/>
+            <a:ext cx="3182225" cy="369332"/>
+          </a:xfrm>
+          <a:prstGeom prst="rect">
+            <a:avLst/>
+          </a:prstGeom>
+          <a:noFill/>
+        </p:spPr>
+        <p:txBody>
+          <a:bodyPr wrap="square" rtlCol="0">
+            <a:spAutoFit/>
+          </a:bodyPr>
+          <a:lstStyle/>
+          <a:p>
+            <a:r>
+              <a:rPr lang="ko-KR" altLang="en-US" dirty="0">
+                <a:latin typeface="나눔스퀘어_ac" panose="020B0600000101010101" pitchFamily="50" charset="-127"/>
+                <a:ea typeface="나눔스퀘어_ac" panose="020B0600000101010101" pitchFamily="50" charset="-127"/>
+              </a:rPr>
+              <a:t>기술</a:t>
+            </a:r>
+            <a:r>
+              <a:rPr lang="en-US" altLang="ko-KR" dirty="0">
+                <a:latin typeface="나눔스퀘어_ac" panose="020B0600000101010101" pitchFamily="50" charset="-127"/>
+                <a:ea typeface="나눔스퀘어_ac" panose="020B0600000101010101" pitchFamily="50" charset="-127"/>
+              </a:rPr>
+              <a:t>, </a:t>
+            </a:r>
+            <a:r>
+              <a:rPr lang="ko-KR" altLang="en-US" dirty="0">
+                <a:latin typeface="나눔스퀘어_ac" panose="020B0600000101010101" pitchFamily="50" charset="-127"/>
+                <a:ea typeface="나눔스퀘어_ac" panose="020B0600000101010101" pitchFamily="50" charset="-127"/>
+              </a:rPr>
+              <a:t>보안 측면의 불편한 점 개선</a:t>
+            </a:r>
+            <a:endParaRPr lang="en-US" altLang="ko-KR" dirty="0">
+              <a:latin typeface="나눔스퀘어_ac" panose="020B0600000101010101" pitchFamily="50" charset="-127"/>
+              <a:ea typeface="나눔스퀘어_ac" panose="020B0600000101010101" pitchFamily="50" charset="-127"/>
+            </a:endParaRPr>
+          </a:p>
+        </p:txBody>
+      </p:sp>
+      <p:sp>
+        <p:nvSpPr>
+          <p:cNvPr id="9" name="TextBox 8">
+            <a:extLst>
+              <a:ext uri="{FF2B5EF4-FFF2-40B4-BE49-F238E27FC236}">
+                <a16:creationId xmlns:a16="http://schemas.microsoft.com/office/drawing/2014/main" id="{159D39A2-6FDA-F79D-5413-B294390D1401}"/>
+              </a:ext>
+            </a:extLst>
+          </p:cNvPr>
+          <p:cNvSpPr txBox="1"/>
+          <p:nvPr/>
+        </p:nvSpPr>
+        <p:spPr>
+          <a:xfrm>
+            <a:off x="7648174" y="5466260"/>
+            <a:ext cx="3182225" cy="369332"/>
+          </a:xfrm>
+          <a:prstGeom prst="rect">
+            <a:avLst/>
+          </a:prstGeom>
+          <a:noFill/>
+        </p:spPr>
+        <p:txBody>
+          <a:bodyPr wrap="square" rtlCol="0">
+            <a:spAutoFit/>
+          </a:bodyPr>
+          <a:lstStyle/>
+          <a:p>
+            <a:r>
+              <a:rPr lang="ko-KR" altLang="en-US" dirty="0">
+                <a:latin typeface="나눔스퀘어_ac" panose="020B0600000101010101" pitchFamily="50" charset="-127"/>
+                <a:ea typeface="나눔스퀘어_ac" panose="020B0600000101010101" pitchFamily="50" charset="-127"/>
+              </a:rPr>
+              <a:t>사업 확장 시 통합적 고객관리 </a:t>
+            </a:r>
+            <a:endParaRPr lang="en-US" altLang="ko-KR" dirty="0">
+              <a:latin typeface="나눔스퀘어_ac" panose="020B0600000101010101" pitchFamily="50" charset="-127"/>
+              <a:ea typeface="나눔스퀘어_ac" panose="020B0600000101010101" pitchFamily="50" charset="-127"/>
+            </a:endParaRPr>
+          </a:p>
+        </p:txBody>
+      </p:sp>
+      <p:sp>
+        <p:nvSpPr>
+          <p:cNvPr id="11" name="TextBox 10">
+            <a:extLst>
+              <a:ext uri="{FF2B5EF4-FFF2-40B4-BE49-F238E27FC236}">
+                <a16:creationId xmlns:a16="http://schemas.microsoft.com/office/drawing/2014/main" id="{41954071-574A-354E-BBE1-3568A2AC6622}"/>
+              </a:ext>
+            </a:extLst>
+          </p:cNvPr>
+          <p:cNvSpPr txBox="1"/>
+          <p:nvPr/>
+        </p:nvSpPr>
+        <p:spPr>
+          <a:xfrm>
+            <a:off x="7750029" y="1743857"/>
+            <a:ext cx="3182225" cy="369332"/>
+          </a:xfrm>
+          <a:prstGeom prst="rect">
+            <a:avLst/>
+          </a:prstGeom>
+          <a:noFill/>
+        </p:spPr>
+        <p:txBody>
+          <a:bodyPr wrap="square" rtlCol="0">
+            <a:spAutoFit/>
+          </a:bodyPr>
+          <a:lstStyle/>
+          <a:p>
+            <a:r>
+              <a:rPr lang="en-US" altLang="ko-KR" dirty="0">
+                <a:latin typeface="나눔스퀘어_ac" panose="020B0600000101010101" pitchFamily="50" charset="-127"/>
+                <a:ea typeface="나눔스퀘어_ac" panose="020B0600000101010101" pitchFamily="50" charset="-127"/>
+              </a:rPr>
+              <a:t>(</a:t>
+            </a:r>
+            <a:r>
+              <a:rPr lang="ko-KR" altLang="en-US" dirty="0">
+                <a:latin typeface="나눔스퀘어_ac" panose="020B0600000101010101" pitchFamily="50" charset="-127"/>
+                <a:ea typeface="나눔스퀘어_ac" panose="020B0600000101010101" pitchFamily="50" charset="-127"/>
+              </a:rPr>
+              <a:t>사진</a:t>
+            </a:r>
+            <a:r>
+              <a:rPr lang="en-US" altLang="ko-KR" dirty="0">
+                <a:latin typeface="나눔스퀘어_ac" panose="020B0600000101010101" pitchFamily="50" charset="-127"/>
+                <a:ea typeface="나눔스퀘어_ac" panose="020B0600000101010101" pitchFamily="50" charset="-127"/>
+              </a:rPr>
+              <a:t>)</a:t>
+            </a:r>
+          </a:p>
+        </p:txBody>
+      </p:sp>
+      <p:pic>
+        <p:nvPicPr>
+          <p:cNvPr id="12" name="Picture 2">
+            <a:extLst>
+              <a:ext uri="{FF2B5EF4-FFF2-40B4-BE49-F238E27FC236}">
+                <a16:creationId xmlns:a16="http://schemas.microsoft.com/office/drawing/2014/main" id="{F8E81B9D-2AD9-B406-44ED-CCA50688E9A5}"/>
+              </a:ext>
+            </a:extLst>
+          </p:cNvPr>
+          <p:cNvPicPr>
+            <a:picLocks noChangeAspect="1" noChangeArrowheads="1"/>
+          </p:cNvPicPr>
+          <p:nvPr/>
+        </p:nvPicPr>
+        <p:blipFill>
+          <a:blip r:embed="rId3">
+            <a:extLst>
+              <a:ext uri="{28A0092B-C50C-407E-A947-70E740481C1C}">
+                <a14:useLocalDpi xmlns:a14="http://schemas.microsoft.com/office/drawing/2010/main" val="0"/>
+              </a:ext>
+            </a:extLst>
+          </a:blip>
+          <a:srcRect/>
+          <a:stretch>
+            <a:fillRect/>
+          </a:stretch>
+        </p:blipFill>
+        <p:spPr bwMode="auto">
+          <a:xfrm>
+            <a:off x="6117225" y="4103927"/>
+            <a:ext cx="3274170" cy="697040"/>
+          </a:xfrm>
+          <a:prstGeom prst="rect">
+            <a:avLst/>
+          </a:prstGeom>
+          <a:noFill/>
+          <a:extLst>
+            <a:ext uri="{909E8E84-426E-40DD-AFC4-6F175D3DCCD1}">
+              <a14:hiddenFill xmlns:a14="http://schemas.microsoft.com/office/drawing/2010/main">
+                <a:solidFill>
+                  <a:srgbClr val="FFFFFF"/>
+                </a:solidFill>
+              </a14:hiddenFill>
+            </a:ext>
+          </a:extLst>
+        </p:spPr>
+      </p:pic>
+      <p:pic>
+        <p:nvPicPr>
+          <p:cNvPr id="13" name="Picture 8">
+            <a:extLst>
+              <a:ext uri="{FF2B5EF4-FFF2-40B4-BE49-F238E27FC236}">
+                <a16:creationId xmlns:a16="http://schemas.microsoft.com/office/drawing/2014/main" id="{CD9ED9D6-46C6-8397-629E-AD93CA006555}"/>
+              </a:ext>
+            </a:extLst>
+          </p:cNvPr>
+          <p:cNvPicPr>
+            <a:picLocks noChangeAspect="1" noChangeArrowheads="1"/>
+          </p:cNvPicPr>
+          <p:nvPr/>
+        </p:nvPicPr>
+        <p:blipFill>
+          <a:blip r:embed="rId4">
+            <a:extLst>
+              <a:ext uri="{28A0092B-C50C-407E-A947-70E740481C1C}">
+                <a14:useLocalDpi xmlns:a14="http://schemas.microsoft.com/office/drawing/2010/main" val="0"/>
+              </a:ext>
+            </a:extLst>
+          </a:blip>
+          <a:srcRect/>
+          <a:stretch>
+            <a:fillRect/>
+          </a:stretch>
+        </p:blipFill>
+        <p:spPr bwMode="auto">
+          <a:xfrm>
+            <a:off x="9390606" y="3224524"/>
+            <a:ext cx="2075902" cy="2075902"/>
+          </a:xfrm>
+          <a:prstGeom prst="rect">
+            <a:avLst/>
+          </a:prstGeom>
+          <a:noFill/>
+          <a:extLst>
+            <a:ext uri="{909E8E84-426E-40DD-AFC4-6F175D3DCCD1}">
+              <a14:hiddenFill xmlns:a14="http://schemas.microsoft.com/office/drawing/2010/main">
+                <a:solidFill>
+                  <a:srgbClr val="FFFFFF"/>
+                </a:solidFill>
+              </a14:hiddenFill>
+            </a:ext>
+          </a:extLst>
+        </p:spPr>
+      </p:pic>
+    </p:spTree>
+    <p:extLst>
+      <p:ext uri="{BB962C8B-B14F-4D97-AF65-F5344CB8AC3E}">
+        <p14:creationId xmlns:p14="http://schemas.microsoft.com/office/powerpoint/2010/main" val="2340473686"/>
+      </p:ext>
+    </p:extLst>
+  </p:cSld>
+  <p:clrMapOvr>
+    <a:masterClrMapping/>
+  </p:clrMapOvr>
+</p:sld>
+</file>
+
 <file path=ppt/slides/slide7.xml><?xml version="1.0" encoding="utf-8"?>
 <p:sld xmlns:a="http://schemas.openxmlformats.org/drawingml/2006/main" xmlns:r="http://schemas.openxmlformats.org/officeDocument/2006/relationships" xmlns:p="http://schemas.openxmlformats.org/presentationml/2006/main">
   <p:cSld>
@@ -5724,7 +6633,7 @@
                 <a:latin typeface="나눔스퀘어_ac" panose="020B0600000101010101" pitchFamily="50" charset="-127"/>
                 <a:ea typeface="나눔스퀘어_ac" panose="020B0600000101010101" pitchFamily="50" charset="-127"/>
               </a:rPr>
-              <a:t>구현 기능 소개</a:t>
+              <a:t>프로젝트 개요</a:t>
             </a:r>
           </a:p>
         </p:txBody>
@@ -5743,8 +6652,8 @@
         </p:nvSpPr>
         <p:spPr>
           <a:xfrm>
-            <a:off x="5038288" y="218114"/>
-            <a:ext cx="2377580" cy="769441"/>
+            <a:off x="5143849" y="189983"/>
+            <a:ext cx="1635854" cy="769441"/>
           </a:xfrm>
           <a:prstGeom prst="rect">
             <a:avLst/>
@@ -5758,21 +6667,258 @@
           <a:lstStyle/>
           <a:p>
             <a:r>
-              <a:rPr lang="ko-KR" altLang="en-US" sz="4400" dirty="0">
+              <a:rPr lang="en-US" altLang="ko-KR" sz="4400" dirty="0">
                 <a:latin typeface="나눔스퀘어_ac ExtraBold" panose="020B0600000101010101" pitchFamily="50" charset="-127"/>
                 <a:ea typeface="나눔스퀘어_ac ExtraBold" panose="020B0600000101010101" pitchFamily="50" charset="-127"/>
               </a:rPr>
-              <a:t>자동 댓글</a:t>
-            </a:r>
+              <a:t>WICS</a:t>
+            </a:r>
+            <a:endParaRPr lang="ko-KR" altLang="en-US" sz="4400" dirty="0">
+              <a:latin typeface="나눔스퀘어_ac ExtraBold" panose="020B0600000101010101" pitchFamily="50" charset="-127"/>
+              <a:ea typeface="나눔스퀘어_ac ExtraBold" panose="020B0600000101010101" pitchFamily="50" charset="-127"/>
+            </a:endParaRPr>
+          </a:p>
+        </p:txBody>
+      </p:sp>
+      <p:sp>
+        <p:nvSpPr>
+          <p:cNvPr id="7" name="TextBox 6">
+            <a:extLst>
+              <a:ext uri="{FF2B5EF4-FFF2-40B4-BE49-F238E27FC236}">
+                <a16:creationId xmlns:a16="http://schemas.microsoft.com/office/drawing/2014/main" id="{F50C8588-D37F-41C9-9B47-1FB9B70ECBDA}"/>
+              </a:ext>
+            </a:extLst>
+          </p:cNvPr>
+          <p:cNvSpPr txBox="1"/>
+          <p:nvPr/>
+        </p:nvSpPr>
+        <p:spPr>
+          <a:xfrm>
+            <a:off x="4173523" y="833667"/>
+            <a:ext cx="3576506" cy="369332"/>
+          </a:xfrm>
+          <a:prstGeom prst="rect">
+            <a:avLst/>
+          </a:prstGeom>
+          <a:noFill/>
+        </p:spPr>
+        <p:txBody>
+          <a:bodyPr wrap="square" rtlCol="0">
+            <a:spAutoFit/>
+          </a:bodyPr>
+          <a:lstStyle/>
+          <a:p>
+            <a:r>
+              <a:rPr lang="en-US" altLang="ko-KR" dirty="0" err="1">
+                <a:latin typeface="나눔스퀘어_ac Bold" panose="020B0600000101010101" pitchFamily="50" charset="-127"/>
+                <a:ea typeface="나눔스퀘어_ac Bold" panose="020B0600000101010101" pitchFamily="50" charset="-127"/>
+              </a:rPr>
+              <a:t>Woongjin</a:t>
+            </a:r>
+            <a:r>
+              <a:rPr lang="en-US" altLang="ko-KR" dirty="0">
+                <a:latin typeface="나눔스퀘어_ac Bold" panose="020B0600000101010101" pitchFamily="50" charset="-127"/>
+                <a:ea typeface="나눔스퀘어_ac Bold" panose="020B0600000101010101" pitchFamily="50" charset="-127"/>
+              </a:rPr>
+              <a:t> Issue Control System </a:t>
+            </a:r>
+            <a:endParaRPr lang="ko-KR" altLang="en-US" dirty="0">
+              <a:latin typeface="나눔스퀘어_ac Bold" panose="020B0600000101010101" pitchFamily="50" charset="-127"/>
+              <a:ea typeface="나눔스퀘어_ac Bold" panose="020B0600000101010101" pitchFamily="50" charset="-127"/>
+            </a:endParaRPr>
+          </a:p>
+        </p:txBody>
+      </p:sp>
+      <p:sp>
+        <p:nvSpPr>
+          <p:cNvPr id="11" name="TextBox 10">
+            <a:extLst>
+              <a:ext uri="{FF2B5EF4-FFF2-40B4-BE49-F238E27FC236}">
+                <a16:creationId xmlns:a16="http://schemas.microsoft.com/office/drawing/2014/main" id="{F04BB19B-4FDB-4849-88AE-76D679D1FD7F}"/>
+              </a:ext>
+            </a:extLst>
+          </p:cNvPr>
+          <p:cNvSpPr txBox="1"/>
+          <p:nvPr/>
+        </p:nvSpPr>
+        <p:spPr>
+          <a:xfrm>
+            <a:off x="7648175" y="2623976"/>
+            <a:ext cx="3182225" cy="369332"/>
+          </a:xfrm>
+          <a:prstGeom prst="rect">
+            <a:avLst/>
+          </a:prstGeom>
+          <a:noFill/>
+        </p:spPr>
+        <p:txBody>
+          <a:bodyPr wrap="square" rtlCol="0">
+            <a:spAutoFit/>
+          </a:bodyPr>
+          <a:lstStyle/>
+          <a:p>
+            <a:r>
+              <a:rPr lang="ko-KR" altLang="en-US" dirty="0">
+                <a:latin typeface="나눔스퀘어_ac" panose="020B0600000101010101" pitchFamily="50" charset="-127"/>
+                <a:ea typeface="나눔스퀘어_ac" panose="020B0600000101010101" pitchFamily="50" charset="-127"/>
+              </a:rPr>
+              <a:t>기술</a:t>
+            </a:r>
+            <a:r>
+              <a:rPr lang="en-US" altLang="ko-KR" dirty="0">
+                <a:latin typeface="나눔스퀘어_ac" panose="020B0600000101010101" pitchFamily="50" charset="-127"/>
+                <a:ea typeface="나눔스퀘어_ac" panose="020B0600000101010101" pitchFamily="50" charset="-127"/>
+              </a:rPr>
+              <a:t>, </a:t>
+            </a:r>
+            <a:r>
+              <a:rPr lang="ko-KR" altLang="en-US" dirty="0">
+                <a:latin typeface="나눔스퀘어_ac" panose="020B0600000101010101" pitchFamily="50" charset="-127"/>
+                <a:ea typeface="나눔스퀘어_ac" panose="020B0600000101010101" pitchFamily="50" charset="-127"/>
+              </a:rPr>
+              <a:t>보안 측면의 불편한 점 개선</a:t>
+            </a:r>
+            <a:endParaRPr lang="en-US" altLang="ko-KR" dirty="0">
+              <a:latin typeface="나눔스퀘어_ac" panose="020B0600000101010101" pitchFamily="50" charset="-127"/>
+              <a:ea typeface="나눔스퀘어_ac" panose="020B0600000101010101" pitchFamily="50" charset="-127"/>
+            </a:endParaRPr>
+          </a:p>
+        </p:txBody>
+      </p:sp>
+      <p:sp>
+        <p:nvSpPr>
+          <p:cNvPr id="12" name="TextBox 11">
+            <a:extLst>
+              <a:ext uri="{FF2B5EF4-FFF2-40B4-BE49-F238E27FC236}">
+                <a16:creationId xmlns:a16="http://schemas.microsoft.com/office/drawing/2014/main" id="{2F93F284-4575-418D-A247-90076F056D8A}"/>
+              </a:ext>
+            </a:extLst>
+          </p:cNvPr>
+          <p:cNvSpPr txBox="1"/>
+          <p:nvPr/>
+        </p:nvSpPr>
+        <p:spPr>
+          <a:xfrm>
+            <a:off x="7648175" y="5531642"/>
+            <a:ext cx="3182225" cy="369332"/>
+          </a:xfrm>
+          <a:prstGeom prst="rect">
+            <a:avLst/>
+          </a:prstGeom>
+          <a:noFill/>
+        </p:spPr>
+        <p:txBody>
+          <a:bodyPr wrap="square" rtlCol="0">
+            <a:spAutoFit/>
+          </a:bodyPr>
+          <a:lstStyle/>
+          <a:p>
+            <a:r>
+              <a:rPr lang="ko-KR" altLang="en-US" dirty="0">
+                <a:latin typeface="나눔스퀘어_ac" panose="020B0600000101010101" pitchFamily="50" charset="-127"/>
+                <a:ea typeface="나눔스퀘어_ac" panose="020B0600000101010101" pitchFamily="50" charset="-127"/>
+              </a:rPr>
+              <a:t>사업 확장 시 통합적 고객관리 </a:t>
+            </a:r>
+            <a:endParaRPr lang="en-US" altLang="ko-KR" dirty="0">
+              <a:latin typeface="나눔스퀘어_ac" panose="020B0600000101010101" pitchFamily="50" charset="-127"/>
+              <a:ea typeface="나눔스퀘어_ac" panose="020B0600000101010101" pitchFamily="50" charset="-127"/>
+            </a:endParaRPr>
+          </a:p>
+        </p:txBody>
+      </p:sp>
+      <p:sp>
+        <p:nvSpPr>
+          <p:cNvPr id="13" name="화살표: 오른쪽 12">
+            <a:extLst>
+              <a:ext uri="{FF2B5EF4-FFF2-40B4-BE49-F238E27FC236}">
+                <a16:creationId xmlns:a16="http://schemas.microsoft.com/office/drawing/2014/main" id="{107240B9-BE25-4BEE-A3FF-186F0AC88D78}"/>
+              </a:ext>
+            </a:extLst>
+          </p:cNvPr>
+          <p:cNvSpPr/>
+          <p:nvPr/>
+        </p:nvSpPr>
+        <p:spPr>
+          <a:xfrm>
+            <a:off x="5538132" y="2623976"/>
+            <a:ext cx="1115736" cy="369332"/>
+          </a:xfrm>
+          <a:prstGeom prst="rightArrow">
+            <a:avLst/>
+          </a:prstGeom>
+        </p:spPr>
+        <p:style>
+          <a:lnRef idx="3">
+            <a:schemeClr val="lt1"/>
+          </a:lnRef>
+          <a:fillRef idx="1">
+            <a:schemeClr val="accent3"/>
+          </a:fillRef>
+          <a:effectRef idx="1">
+            <a:schemeClr val="accent3"/>
+          </a:effectRef>
+          <a:fontRef idx="minor">
+            <a:schemeClr val="lt1"/>
+          </a:fontRef>
+        </p:style>
+        <p:txBody>
+          <a:bodyPr rtlCol="0" anchor="ctr"/>
+          <a:lstStyle/>
+          <a:p>
+            <a:pPr algn="ctr"/>
+            <a:endParaRPr lang="ko-KR" altLang="en-US" dirty="0"/>
+          </a:p>
+        </p:txBody>
+      </p:sp>
+      <p:sp>
+        <p:nvSpPr>
+          <p:cNvPr id="4" name="TextBox 3">
+            <a:extLst>
+              <a:ext uri="{FF2B5EF4-FFF2-40B4-BE49-F238E27FC236}">
+                <a16:creationId xmlns:a16="http://schemas.microsoft.com/office/drawing/2014/main" id="{58CA89BD-78BC-06FF-6A17-8E2AC3A313BF}"/>
+              </a:ext>
+            </a:extLst>
+          </p:cNvPr>
+          <p:cNvSpPr txBox="1"/>
+          <p:nvPr/>
+        </p:nvSpPr>
+        <p:spPr>
+          <a:xfrm>
+            <a:off x="2070383" y="1332891"/>
+            <a:ext cx="1635854" cy="769441"/>
+          </a:xfrm>
+          <a:prstGeom prst="rect">
+            <a:avLst/>
+          </a:prstGeom>
+          <a:noFill/>
+        </p:spPr>
+        <p:txBody>
+          <a:bodyPr wrap="square" rtlCol="0">
+            <a:spAutoFit/>
+          </a:bodyPr>
+          <a:lstStyle/>
+          <a:p>
+            <a:r>
+              <a:rPr lang="en-US" altLang="ko-KR" sz="4400" dirty="0">
+                <a:latin typeface="나눔스퀘어_ac ExtraBold" panose="020B0600000101010101" pitchFamily="50" charset="-127"/>
+                <a:ea typeface="나눔스퀘어_ac ExtraBold" panose="020B0600000101010101" pitchFamily="50" charset="-127"/>
+              </a:rPr>
+              <a:t>WICS</a:t>
+            </a:r>
+            <a:endParaRPr lang="ko-KR" altLang="en-US" sz="4400" dirty="0">
+              <a:latin typeface="나눔스퀘어_ac ExtraBold" panose="020B0600000101010101" pitchFamily="50" charset="-127"/>
+              <a:ea typeface="나눔스퀘어_ac ExtraBold" panose="020B0600000101010101" pitchFamily="50" charset="-127"/>
+            </a:endParaRPr>
           </a:p>
         </p:txBody>
       </p:sp>
       <p:pic>
         <p:nvPicPr>
-          <p:cNvPr id="10" name="그림 9">
-            <a:extLst>
-              <a:ext uri="{FF2B5EF4-FFF2-40B4-BE49-F238E27FC236}">
-                <a16:creationId xmlns:a16="http://schemas.microsoft.com/office/drawing/2014/main" id="{93CD5460-4E23-40F3-877B-104E01D7441F}"/>
+          <p:cNvPr id="3" name="그림 2">
+            <a:extLst>
+              <a:ext uri="{FF2B5EF4-FFF2-40B4-BE49-F238E27FC236}">
+                <a16:creationId xmlns:a16="http://schemas.microsoft.com/office/drawing/2014/main" id="{6F0D93AA-5F8A-5C50-63AE-A2821F13DA12}"/>
               </a:ext>
             </a:extLst>
           </p:cNvPr>
@@ -5789,48 +6935,208 @@
         </p:blipFill>
         <p:spPr>
           <a:xfrm>
-            <a:off x="1262334" y="2046914"/>
-            <a:ext cx="4360235" cy="2300915"/>
+            <a:off x="596822" y="2102332"/>
+            <a:ext cx="4661872" cy="2997542"/>
           </a:xfrm>
           <a:prstGeom prst="rect">
             <a:avLst/>
           </a:prstGeom>
         </p:spPr>
       </p:pic>
+      <p:sp>
+        <p:nvSpPr>
+          <p:cNvPr id="9" name="TextBox 8">
+            <a:extLst>
+              <a:ext uri="{FF2B5EF4-FFF2-40B4-BE49-F238E27FC236}">
+                <a16:creationId xmlns:a16="http://schemas.microsoft.com/office/drawing/2014/main" id="{0B73F0FC-4B31-C517-88F7-0A12D9DAF6E1}"/>
+              </a:ext>
+            </a:extLst>
+          </p:cNvPr>
+          <p:cNvSpPr txBox="1"/>
+          <p:nvPr/>
+        </p:nvSpPr>
+        <p:spPr>
+          <a:xfrm>
+            <a:off x="7750029" y="1743857"/>
+            <a:ext cx="3182225" cy="369332"/>
+          </a:xfrm>
+          <a:prstGeom prst="rect">
+            <a:avLst/>
+          </a:prstGeom>
+          <a:noFill/>
+        </p:spPr>
+        <p:txBody>
+          <a:bodyPr wrap="square" rtlCol="0">
+            <a:spAutoFit/>
+          </a:bodyPr>
+          <a:lstStyle/>
+          <a:p>
+            <a:r>
+              <a:rPr lang="en-US" altLang="ko-KR" dirty="0">
+                <a:latin typeface="나눔스퀘어_ac" panose="020B0600000101010101" pitchFamily="50" charset="-127"/>
+                <a:ea typeface="나눔스퀘어_ac" panose="020B0600000101010101" pitchFamily="50" charset="-127"/>
+              </a:rPr>
+              <a:t>(</a:t>
+            </a:r>
+            <a:r>
+              <a:rPr lang="ko-KR" altLang="en-US" dirty="0">
+                <a:latin typeface="나눔스퀘어_ac" panose="020B0600000101010101" pitchFamily="50" charset="-127"/>
+                <a:ea typeface="나눔스퀘어_ac" panose="020B0600000101010101" pitchFamily="50" charset="-127"/>
+              </a:rPr>
+              <a:t>사진</a:t>
+            </a:r>
+            <a:r>
+              <a:rPr lang="en-US" altLang="ko-KR" dirty="0">
+                <a:latin typeface="나눔스퀘어_ac" panose="020B0600000101010101" pitchFamily="50" charset="-127"/>
+                <a:ea typeface="나눔스퀘어_ac" panose="020B0600000101010101" pitchFamily="50" charset="-127"/>
+              </a:rPr>
+              <a:t>)</a:t>
+            </a:r>
+          </a:p>
+        </p:txBody>
+      </p:sp>
+      <p:sp>
+        <p:nvSpPr>
+          <p:cNvPr id="14" name="화살표: 오른쪽 12">
+            <a:extLst>
+              <a:ext uri="{FF2B5EF4-FFF2-40B4-BE49-F238E27FC236}">
+                <a16:creationId xmlns:a16="http://schemas.microsoft.com/office/drawing/2014/main" id="{9936914A-D13A-0D0F-ADF5-C36D4183FB8A}"/>
+              </a:ext>
+            </a:extLst>
+          </p:cNvPr>
+          <p:cNvSpPr/>
+          <p:nvPr/>
+        </p:nvSpPr>
+        <p:spPr>
+          <a:xfrm>
+            <a:off x="5538132" y="4229619"/>
+            <a:ext cx="1115736" cy="369332"/>
+          </a:xfrm>
+          <a:prstGeom prst="rightArrow">
+            <a:avLst/>
+          </a:prstGeom>
+        </p:spPr>
+        <p:style>
+          <a:lnRef idx="3">
+            <a:schemeClr val="lt1"/>
+          </a:lnRef>
+          <a:fillRef idx="1">
+            <a:schemeClr val="accent3"/>
+          </a:fillRef>
+          <a:effectRef idx="1">
+            <a:schemeClr val="accent3"/>
+          </a:effectRef>
+          <a:fontRef idx="minor">
+            <a:schemeClr val="lt1"/>
+          </a:fontRef>
+        </p:style>
+        <p:txBody>
+          <a:bodyPr rtlCol="0" anchor="ctr"/>
+          <a:lstStyle/>
+          <a:p>
+            <a:pPr algn="ctr"/>
+            <a:endParaRPr lang="ko-KR" altLang="en-US" dirty="0"/>
+          </a:p>
+        </p:txBody>
+      </p:sp>
       <p:pic>
         <p:nvPicPr>
-          <p:cNvPr id="12" name="그림 11">
-            <a:extLst>
-              <a:ext uri="{FF2B5EF4-FFF2-40B4-BE49-F238E27FC236}">
-                <a16:creationId xmlns:a16="http://schemas.microsoft.com/office/drawing/2014/main" id="{90DB51D1-E6DE-4716-82AA-5EF7BD4ED47B}"/>
+          <p:cNvPr id="1026" name="Picture 2">
+            <a:extLst>
+              <a:ext uri="{FF2B5EF4-FFF2-40B4-BE49-F238E27FC236}">
+                <a16:creationId xmlns:a16="http://schemas.microsoft.com/office/drawing/2014/main" id="{7CDD19E9-EAB2-8DB0-B8E5-59C0BC1E4EFF}"/>
               </a:ext>
             </a:extLst>
           </p:cNvPr>
           <p:cNvPicPr>
-            <a:picLocks noChangeAspect="1"/>
+            <a:picLocks noChangeAspect="1" noChangeArrowheads="1"/>
           </p:cNvPicPr>
           <p:nvPr/>
         </p:nvPicPr>
         <p:blipFill>
-          <a:blip r:embed="rId3"/>
+          <a:blip r:embed="rId3">
+            <a:extLst>
+              <a:ext uri="{28A0092B-C50C-407E-A947-70E740481C1C}">
+                <a14:useLocalDpi xmlns:a14="http://schemas.microsoft.com/office/drawing/2010/main" val="0"/>
+              </a:ext>
+            </a:extLst>
+          </a:blip>
+          <a:srcRect/>
           <a:stretch>
             <a:fillRect/>
           </a:stretch>
         </p:blipFill>
-        <p:spPr>
-          <a:xfrm>
-            <a:off x="6838807" y="2046914"/>
-            <a:ext cx="4421572" cy="2300916"/>
+        <p:spPr bwMode="auto">
+          <a:xfrm>
+            <a:off x="6680206" y="4641584"/>
+            <a:ext cx="2660935" cy="566488"/>
           </a:xfrm>
           <a:prstGeom prst="rect">
             <a:avLst/>
           </a:prstGeom>
+          <a:noFill/>
+          <a:extLst>
+            <a:ext uri="{909E8E84-426E-40DD-AFC4-6F175D3DCCD1}">
+              <a14:hiddenFill xmlns:a14="http://schemas.microsoft.com/office/drawing/2010/main">
+                <a:solidFill>
+                  <a:srgbClr val="FFFFFF"/>
+                </a:solidFill>
+              </a14:hiddenFill>
+            </a:ext>
+          </a:extLst>
+        </p:spPr>
+      </p:pic>
+      <p:pic>
+        <p:nvPicPr>
+          <p:cNvPr id="1032" name="Picture 8">
+            <a:extLst>
+              <a:ext uri="{FF2B5EF4-FFF2-40B4-BE49-F238E27FC236}">
+                <a16:creationId xmlns:a16="http://schemas.microsoft.com/office/drawing/2014/main" id="{9FC9A327-C261-907C-B638-E3484383997F}"/>
+              </a:ext>
+            </a:extLst>
+          </p:cNvPr>
+          <p:cNvPicPr>
+            <a:picLocks noChangeAspect="1" noChangeArrowheads="1"/>
+          </p:cNvPicPr>
+          <p:nvPr/>
+        </p:nvPicPr>
+        <p:blipFill>
+          <a:blip r:embed="rId4">
+            <a:extLst>
+              <a:ext uri="{28A0092B-C50C-407E-A947-70E740481C1C}">
+                <a14:useLocalDpi xmlns:a14="http://schemas.microsoft.com/office/drawing/2010/main" val="0"/>
+              </a:ext>
+            </a:extLst>
+          </a:blip>
+          <a:srcRect/>
+          <a:stretch>
+            <a:fillRect/>
+          </a:stretch>
+        </p:blipFill>
+        <p:spPr bwMode="auto">
+          <a:xfrm>
+            <a:off x="9341141" y="3703171"/>
+            <a:ext cx="1876826" cy="1876826"/>
+          </a:xfrm>
+          <a:prstGeom prst="rect">
+            <a:avLst/>
+          </a:prstGeom>
+          <a:noFill/>
+          <a:extLst>
+            <a:ext uri="{909E8E84-426E-40DD-AFC4-6F175D3DCCD1}">
+              <a14:hiddenFill xmlns:a14="http://schemas.microsoft.com/office/drawing/2010/main">
+                <a:solidFill>
+                  <a:srgbClr val="FFFFFF"/>
+                </a:solidFill>
+              </a14:hiddenFill>
+            </a:ext>
+          </a:extLst>
         </p:spPr>
       </p:pic>
     </p:spTree>
     <p:extLst>
       <p:ext uri="{BB962C8B-B14F-4D97-AF65-F5344CB8AC3E}">
-        <p14:creationId xmlns:p14="http://schemas.microsoft.com/office/powerpoint/2010/main" val="2618037660"/>
+        <p14:creationId xmlns:p14="http://schemas.microsoft.com/office/powerpoint/2010/main" val="221458542"/>
       </p:ext>
     </p:extLst>
   </p:cSld>
@@ -5924,10 +7230,10 @@
       </p:sp>
       <p:sp>
         <p:nvSpPr>
-          <p:cNvPr id="6" name="TextBox 5">
-            <a:extLst>
-              <a:ext uri="{FF2B5EF4-FFF2-40B4-BE49-F238E27FC236}">
-                <a16:creationId xmlns:a16="http://schemas.microsoft.com/office/drawing/2014/main" id="{19BF6FE9-DC5B-4503-921D-0FE332276EA3}"/>
+          <p:cNvPr id="5" name="TextBox 4">
+            <a:extLst>
+              <a:ext uri="{FF2B5EF4-FFF2-40B4-BE49-F238E27FC236}">
+                <a16:creationId xmlns:a16="http://schemas.microsoft.com/office/drawing/2014/main" id="{F9CDCB2F-4A3F-476B-9F89-4F9C3D4F55B2}"/>
               </a:ext>
             </a:extLst>
           </p:cNvPr>
@@ -5936,8 +7242,8 @@
         </p:nvSpPr>
         <p:spPr>
           <a:xfrm>
-            <a:off x="4144161" y="218114"/>
-            <a:ext cx="3271707" cy="1446550"/>
+            <a:off x="521531" y="1931507"/>
+            <a:ext cx="11148938" cy="2369880"/>
           </a:xfrm>
           <a:prstGeom prst="rect">
             <a:avLst/>
@@ -5950,25 +7256,359 @@
           </a:bodyPr>
           <a:lstStyle/>
           <a:p>
-            <a:pPr algn="ctr"/>
+            <a:r>
+              <a:rPr lang="ko-KR" altLang="en-US" sz="4400" dirty="0">
+                <a:solidFill>
+                  <a:schemeClr val="accent2"/>
+                </a:solidFill>
+                <a:latin typeface="나눔스퀘어_ac ExtraBold" panose="020B0600000101010101" pitchFamily="50" charset="-127"/>
+                <a:ea typeface="나눔스퀘어_ac ExtraBold" panose="020B0600000101010101" pitchFamily="50" charset="-127"/>
+              </a:rPr>
+              <a:t>창의적인 사고</a:t>
+            </a:r>
             <a:r>
               <a:rPr lang="ko-KR" altLang="en-US" sz="4400" dirty="0">
                 <a:latin typeface="나눔스퀘어_ac ExtraBold" panose="020B0600000101010101" pitchFamily="50" charset="-127"/>
                 <a:ea typeface="나눔스퀘어_ac ExtraBold" panose="020B0600000101010101" pitchFamily="50" charset="-127"/>
               </a:rPr>
-              <a:t>회원정보 수정 즉시 반영</a:t>
+              <a:t>로</a:t>
             </a:r>
             <a:endParaRPr lang="en-US" altLang="ko-KR" sz="4400" dirty="0">
               <a:latin typeface="나눔스퀘어_ac ExtraBold" panose="020B0600000101010101" pitchFamily="50" charset="-127"/>
               <a:ea typeface="나눔스퀘어_ac ExtraBold" panose="020B0600000101010101" pitchFamily="50" charset="-127"/>
             </a:endParaRPr>
           </a:p>
+          <a:p>
+            <a:endParaRPr lang="en-US" altLang="ko-KR" sz="800" dirty="0">
+              <a:latin typeface="나눔스퀘어_ac ExtraBold" panose="020B0600000101010101" pitchFamily="50" charset="-127"/>
+              <a:ea typeface="나눔스퀘어_ac ExtraBold" panose="020B0600000101010101" pitchFamily="50" charset="-127"/>
+            </a:endParaRPr>
+          </a:p>
+          <a:p>
+            <a:r>
+              <a:rPr lang="ko-KR" altLang="en-US" sz="4400" dirty="0">
+                <a:latin typeface="나눔스퀘어_ac ExtraBold" panose="020B0600000101010101" pitchFamily="50" charset="-127"/>
+                <a:ea typeface="나눔스퀘어_ac ExtraBold" panose="020B0600000101010101" pitchFamily="50" charset="-127"/>
+              </a:rPr>
+              <a:t>단순히 구현하는 것이 아닌</a:t>
+            </a:r>
+            <a:r>
+              <a:rPr lang="en-US" altLang="ko-KR" sz="4400" dirty="0">
+                <a:latin typeface="나눔스퀘어_ac ExtraBold" panose="020B0600000101010101" pitchFamily="50" charset="-127"/>
+                <a:ea typeface="나눔스퀘어_ac ExtraBold" panose="020B0600000101010101" pitchFamily="50" charset="-127"/>
+              </a:rPr>
+              <a:t>,</a:t>
+            </a:r>
+          </a:p>
+          <a:p>
+            <a:endParaRPr lang="en-US" altLang="ko-KR" sz="800" dirty="0">
+              <a:latin typeface="나눔스퀘어_ac ExtraBold" panose="020B0600000101010101" pitchFamily="50" charset="-127"/>
+              <a:ea typeface="나눔스퀘어_ac ExtraBold" panose="020B0600000101010101" pitchFamily="50" charset="-127"/>
+            </a:endParaRPr>
+          </a:p>
+          <a:p>
+            <a:r>
+              <a:rPr lang="ko-KR" altLang="en-US" sz="4400" dirty="0">
+                <a:solidFill>
+                  <a:schemeClr val="accent6"/>
+                </a:solidFill>
+                <a:latin typeface="나눔스퀘어_ac ExtraBold" panose="020B0600000101010101" pitchFamily="50" charset="-127"/>
+                <a:ea typeface="나눔스퀘어_ac ExtraBold" panose="020B0600000101010101" pitchFamily="50" charset="-127"/>
+              </a:rPr>
+              <a:t>목적을</a:t>
+            </a:r>
+            <a:r>
+              <a:rPr lang="ko-KR" altLang="en-US" sz="4400" dirty="0">
+                <a:latin typeface="나눔스퀘어_ac ExtraBold" panose="020B0600000101010101" pitchFamily="50" charset="-127"/>
+                <a:ea typeface="나눔스퀘어_ac ExtraBold" panose="020B0600000101010101" pitchFamily="50" charset="-127"/>
+              </a:rPr>
+              <a:t> </a:t>
+            </a:r>
+            <a:r>
+              <a:rPr lang="ko-KR" altLang="en-US" sz="4400" dirty="0">
+                <a:solidFill>
+                  <a:schemeClr val="accent6"/>
+                </a:solidFill>
+                <a:latin typeface="나눔스퀘어_ac ExtraBold" panose="020B0600000101010101" pitchFamily="50" charset="-127"/>
+                <a:ea typeface="나눔스퀘어_ac ExtraBold" panose="020B0600000101010101" pitchFamily="50" charset="-127"/>
+              </a:rPr>
+              <a:t>이해</a:t>
+            </a:r>
+            <a:r>
+              <a:rPr lang="ko-KR" altLang="en-US" sz="4400" dirty="0">
+                <a:latin typeface="나눔스퀘어_ac ExtraBold" panose="020B0600000101010101" pitchFamily="50" charset="-127"/>
+                <a:ea typeface="나눔스퀘어_ac ExtraBold" panose="020B0600000101010101" pitchFamily="50" charset="-127"/>
+              </a:rPr>
+              <a:t>하며 </a:t>
+            </a:r>
+            <a:r>
+              <a:rPr lang="ko-KR" altLang="en-US" sz="4400" dirty="0">
+                <a:solidFill>
+                  <a:schemeClr val="accent1"/>
+                </a:solidFill>
+                <a:latin typeface="나눔스퀘어_ac ExtraBold" panose="020B0600000101010101" pitchFamily="50" charset="-127"/>
+                <a:ea typeface="나눔스퀘어_ac ExtraBold" panose="020B0600000101010101" pitchFamily="50" charset="-127"/>
+              </a:rPr>
+              <a:t>발전된 방향</a:t>
+            </a:r>
+            <a:r>
+              <a:rPr lang="ko-KR" altLang="en-US" sz="4400" dirty="0">
+                <a:latin typeface="나눔스퀘어_ac ExtraBold" panose="020B0600000101010101" pitchFamily="50" charset="-127"/>
+                <a:ea typeface="나눔스퀘어_ac ExtraBold" panose="020B0600000101010101" pitchFamily="50" charset="-127"/>
+              </a:rPr>
+              <a:t>으로 문제를 해결한다</a:t>
+            </a:r>
+            <a:r>
+              <a:rPr lang="en-US" altLang="ko-KR" sz="4400" dirty="0">
+                <a:latin typeface="나눔스퀘어_ac ExtraBold" panose="020B0600000101010101" pitchFamily="50" charset="-127"/>
+                <a:ea typeface="나눔스퀘어_ac ExtraBold" panose="020B0600000101010101" pitchFamily="50" charset="-127"/>
+              </a:rPr>
+              <a:t>.</a:t>
+            </a:r>
+            <a:endParaRPr lang="ko-KR" altLang="en-US" sz="4400" dirty="0">
+              <a:latin typeface="나눔스퀘어_ac ExtraBold" panose="020B0600000101010101" pitchFamily="50" charset="-127"/>
+              <a:ea typeface="나눔스퀘어_ac ExtraBold" panose="020B0600000101010101" pitchFamily="50" charset="-127"/>
+            </a:endParaRPr>
+          </a:p>
+        </p:txBody>
+      </p:sp>
+      <p:sp>
+        <p:nvSpPr>
+          <p:cNvPr id="3" name="양쪽 대괄호 2">
+            <a:extLst>
+              <a:ext uri="{FF2B5EF4-FFF2-40B4-BE49-F238E27FC236}">
+                <a16:creationId xmlns:a16="http://schemas.microsoft.com/office/drawing/2014/main" id="{81865233-EB37-3234-C6A6-4B0811145568}"/>
+              </a:ext>
+            </a:extLst>
+          </p:cNvPr>
+          <p:cNvSpPr/>
+          <p:nvPr/>
+        </p:nvSpPr>
+        <p:spPr>
+          <a:xfrm>
+            <a:off x="1155031" y="2020553"/>
+            <a:ext cx="9881937" cy="3077737"/>
+          </a:xfrm>
+          <a:prstGeom prst="bracketPair">
+            <a:avLst>
+              <a:gd name="adj" fmla="val 12319"/>
+            </a:avLst>
+          </a:prstGeom>
+        </p:spPr>
+        <p:style>
+          <a:lnRef idx="1">
+            <a:schemeClr val="accent1"/>
+          </a:lnRef>
+          <a:fillRef idx="0">
+            <a:schemeClr val="accent1"/>
+          </a:fillRef>
+          <a:effectRef idx="0">
+            <a:schemeClr val="accent1"/>
+          </a:effectRef>
+          <a:fontRef idx="minor">
+            <a:schemeClr val="tx1"/>
+          </a:fontRef>
+        </p:style>
+        <p:txBody>
+          <a:bodyPr rtlCol="0" anchor="ctr"/>
+          <a:lstStyle/>
+          <a:p>
+            <a:pPr algn="ctr"/>
+            <a:endParaRPr lang="ko-KR" altLang="en-US"/>
+          </a:p>
         </p:txBody>
       </p:sp>
     </p:spTree>
     <p:extLst>
       <p:ext uri="{BB962C8B-B14F-4D97-AF65-F5344CB8AC3E}">
-        <p14:creationId xmlns:p14="http://schemas.microsoft.com/office/powerpoint/2010/main" val="2661858539"/>
+        <p14:creationId xmlns:p14="http://schemas.microsoft.com/office/powerpoint/2010/main" val="494779275"/>
+      </p:ext>
+    </p:extLst>
+  </p:cSld>
+  <p:clrMapOvr>
+    <a:masterClrMapping/>
+  </p:clrMapOvr>
+</p:sld>
+</file>
+
+<file path=ppt/slides/slide9.xml><?xml version="1.0" encoding="utf-8"?>
+<p:sld xmlns:a="http://schemas.openxmlformats.org/drawingml/2006/main" xmlns:r="http://schemas.openxmlformats.org/officeDocument/2006/relationships" xmlns:p="http://schemas.openxmlformats.org/presentationml/2006/main">
+  <p:cSld>
+    <p:spTree>
+      <p:nvGrpSpPr>
+        <p:cNvPr id="1" name=""/>
+        <p:cNvGrpSpPr/>
+        <p:nvPr/>
+      </p:nvGrpSpPr>
+      <p:grpSpPr>
+        <a:xfrm>
+          <a:off x="0" y="0"/>
+          <a:ext cx="0" cy="0"/>
+          <a:chOff x="0" y="0"/>
+          <a:chExt cx="0" cy="0"/>
+        </a:xfrm>
+      </p:grpSpPr>
+      <p:sp>
+        <p:nvSpPr>
+          <p:cNvPr id="2" name="TextBox 1">
+            <a:extLst>
+              <a:ext uri="{FF2B5EF4-FFF2-40B4-BE49-F238E27FC236}">
+                <a16:creationId xmlns:a16="http://schemas.microsoft.com/office/drawing/2014/main" id="{4F4AE9FB-2A19-4A78-A593-487CF7F64C0C}"/>
+              </a:ext>
+            </a:extLst>
+          </p:cNvPr>
+          <p:cNvSpPr txBox="1"/>
+          <p:nvPr/>
+        </p:nvSpPr>
+        <p:spPr>
+          <a:xfrm>
+            <a:off x="176168" y="218114"/>
+            <a:ext cx="2751590" cy="615553"/>
+          </a:xfrm>
+          <a:prstGeom prst="rect">
+            <a:avLst/>
+          </a:prstGeom>
+          <a:noFill/>
+        </p:spPr>
+        <p:txBody>
+          <a:bodyPr wrap="square" rtlCol="0">
+            <a:spAutoFit/>
+          </a:bodyPr>
+          <a:lstStyle/>
+          <a:p>
+            <a:r>
+              <a:rPr lang="en-US" altLang="ko-KR" dirty="0">
+                <a:latin typeface="나눔스퀘어_ac" panose="020B0600000101010101" pitchFamily="50" charset="-127"/>
+                <a:ea typeface="나눔스퀘어_ac" panose="020B0600000101010101" pitchFamily="50" charset="-127"/>
+              </a:rPr>
+              <a:t>01. WICS </a:t>
+            </a:r>
+            <a:r>
+              <a:rPr lang="ko-KR" altLang="en-US" dirty="0">
+                <a:latin typeface="나눔스퀘어_ac" panose="020B0600000101010101" pitchFamily="50" charset="-127"/>
+                <a:ea typeface="나눔스퀘어_ac" panose="020B0600000101010101" pitchFamily="50" charset="-127"/>
+              </a:rPr>
+              <a:t>프로젝트</a:t>
+            </a:r>
+            <a:endParaRPr lang="en-US" altLang="ko-KR" sz="1600" dirty="0">
+              <a:latin typeface="나눔스퀘어_ac" panose="020B0600000101010101" pitchFamily="50" charset="-127"/>
+              <a:ea typeface="나눔스퀘어_ac" panose="020B0600000101010101" pitchFamily="50" charset="-127"/>
+            </a:endParaRPr>
+          </a:p>
+          <a:p>
+            <a:r>
+              <a:rPr lang="en-US" altLang="ko-KR" sz="1600" dirty="0">
+                <a:latin typeface="나눔스퀘어_ac" panose="020B0600000101010101" pitchFamily="50" charset="-127"/>
+                <a:ea typeface="나눔스퀘어_ac" panose="020B0600000101010101" pitchFamily="50" charset="-127"/>
+              </a:rPr>
+              <a:t>      : </a:t>
+            </a:r>
+            <a:r>
+              <a:rPr lang="ko-KR" altLang="en-US" sz="1600" dirty="0">
+                <a:latin typeface="나눔스퀘어_ac" panose="020B0600000101010101" pitchFamily="50" charset="-127"/>
+                <a:ea typeface="나눔스퀘어_ac" panose="020B0600000101010101" pitchFamily="50" charset="-127"/>
+              </a:rPr>
+              <a:t>구현 기능 소개</a:t>
+            </a:r>
+          </a:p>
+        </p:txBody>
+      </p:sp>
+      <p:sp>
+        <p:nvSpPr>
+          <p:cNvPr id="5" name="TextBox 4">
+            <a:extLst>
+              <a:ext uri="{FF2B5EF4-FFF2-40B4-BE49-F238E27FC236}">
+                <a16:creationId xmlns:a16="http://schemas.microsoft.com/office/drawing/2014/main" id="{F9CDCB2F-4A3F-476B-9F89-4F9C3D4F55B2}"/>
+              </a:ext>
+            </a:extLst>
+          </p:cNvPr>
+          <p:cNvSpPr txBox="1"/>
+          <p:nvPr/>
+        </p:nvSpPr>
+        <p:spPr>
+          <a:xfrm>
+            <a:off x="5038288" y="218114"/>
+            <a:ext cx="2115424" cy="769441"/>
+          </a:xfrm>
+          <a:prstGeom prst="rect">
+            <a:avLst/>
+          </a:prstGeom>
+          <a:noFill/>
+        </p:spPr>
+        <p:txBody>
+          <a:bodyPr wrap="square" rtlCol="0">
+            <a:spAutoFit/>
+          </a:bodyPr>
+          <a:lstStyle/>
+          <a:p>
+            <a:r>
+              <a:rPr lang="en-US" altLang="ko-KR" sz="4400" dirty="0">
+                <a:latin typeface="나눔스퀘어_ac ExtraBold" panose="020B0600000101010101" pitchFamily="50" charset="-127"/>
+                <a:ea typeface="나눔스퀘어_ac ExtraBold" panose="020B0600000101010101" pitchFamily="50" charset="-127"/>
+              </a:rPr>
+              <a:t>DB </a:t>
+            </a:r>
+            <a:r>
+              <a:rPr lang="ko-KR" altLang="en-US" sz="4400" dirty="0">
+                <a:latin typeface="나눔스퀘어_ac ExtraBold" panose="020B0600000101010101" pitchFamily="50" charset="-127"/>
+                <a:ea typeface="나눔스퀘어_ac ExtraBold" panose="020B0600000101010101" pitchFamily="50" charset="-127"/>
+              </a:rPr>
+              <a:t>설계</a:t>
+            </a:r>
+          </a:p>
+        </p:txBody>
+      </p:sp>
+      <p:pic>
+        <p:nvPicPr>
+          <p:cNvPr id="1026" name="Picture 2">
+            <a:extLst>
+              <a:ext uri="{FF2B5EF4-FFF2-40B4-BE49-F238E27FC236}">
+                <a16:creationId xmlns:a16="http://schemas.microsoft.com/office/drawing/2014/main" id="{32F64308-5B7B-4C0B-8947-277C177BD99E}"/>
+              </a:ext>
+            </a:extLst>
+          </p:cNvPr>
+          <p:cNvPicPr>
+            <a:picLocks noChangeAspect="1" noChangeArrowheads="1"/>
+          </p:cNvPicPr>
+          <p:nvPr/>
+        </p:nvPicPr>
+        <p:blipFill>
+          <a:blip r:embed="rId2">
+            <a:extLst>
+              <a:ext uri="{28A0092B-C50C-407E-A947-70E740481C1C}">
+                <a14:useLocalDpi xmlns:a14="http://schemas.microsoft.com/office/drawing/2010/main" val="0"/>
+              </a:ext>
+            </a:extLst>
+          </a:blip>
+          <a:srcRect/>
+          <a:stretch>
+            <a:fillRect/>
+          </a:stretch>
+        </p:blipFill>
+        <p:spPr bwMode="auto">
+          <a:xfrm>
+            <a:off x="2518095" y="1713952"/>
+            <a:ext cx="7155809" cy="4455149"/>
+          </a:xfrm>
+          <a:prstGeom prst="rect">
+            <a:avLst/>
+          </a:prstGeom>
+          <a:noFill/>
+          <a:extLst>
+            <a:ext uri="{909E8E84-426E-40DD-AFC4-6F175D3DCCD1}">
+              <a14:hiddenFill xmlns:a14="http://schemas.microsoft.com/office/drawing/2010/main">
+                <a:solidFill>
+                  <a:srgbClr val="FFFFFF"/>
+                </a:solidFill>
+              </a14:hiddenFill>
+            </a:ext>
+          </a:extLst>
+        </p:spPr>
+      </p:pic>
+    </p:spTree>
+    <p:extLst>
+      <p:ext uri="{BB962C8B-B14F-4D97-AF65-F5344CB8AC3E}">
+        <p14:creationId xmlns:p14="http://schemas.microsoft.com/office/powerpoint/2010/main" val="3304862907"/>
       </p:ext>
     </p:extLst>
   </p:cSld>
